--- a/Py B - unit 4p.pptx
+++ b/Py B - unit 4p.pptx
@@ -6,13 +6,20 @@
   </p:sldMasterIdLst>
   <p:sldIdLst>
     <p:sldId id="256" r:id="rId2"/>
-    <p:sldId id="264" r:id="rId3"/>
-    <p:sldId id="265" r:id="rId4"/>
-    <p:sldId id="266" r:id="rId5"/>
-    <p:sldId id="267" r:id="rId6"/>
-    <p:sldId id="268" r:id="rId7"/>
-    <p:sldId id="269" r:id="rId8"/>
-    <p:sldId id="270" r:id="rId9"/>
+    <p:sldId id="271" r:id="rId3"/>
+    <p:sldId id="272" r:id="rId4"/>
+    <p:sldId id="273" r:id="rId5"/>
+    <p:sldId id="275" r:id="rId6"/>
+    <p:sldId id="274" r:id="rId7"/>
+    <p:sldId id="276" r:id="rId8"/>
+    <p:sldId id="277" r:id="rId9"/>
+    <p:sldId id="264" r:id="rId10"/>
+    <p:sldId id="265" r:id="rId11"/>
+    <p:sldId id="266" r:id="rId12"/>
+    <p:sldId id="267" r:id="rId13"/>
+    <p:sldId id="268" r:id="rId14"/>
+    <p:sldId id="269" r:id="rId15"/>
+    <p:sldId id="270" r:id="rId16"/>
   </p:sldIdLst>
   <p:sldSz cx="12192000" cy="6858000"/>
   <p:notesSz cx="6858000" cy="9144000"/>
@@ -119,6 +126,14 @@
 </p:presentation>
 </file>
 
+<file path=ppt/revisionInfo.xml><?xml version="1.0" encoding="utf-8"?>
+<p1510:revInfo xmlns:a="http://schemas.openxmlformats.org/drawingml/2006/main" xmlns:r="http://schemas.openxmlformats.org/officeDocument/2006/relationships" xmlns:p1510="http://schemas.microsoft.com/office/powerpoint/2015/10/main">
+  <p1510:revLst>
+    <p1510:client id="{3A3D6FCF-9A78-4428-9A78-7838A0A4199F}" v="8" dt="2021-12-26T06:25:08.912"/>
+  </p1510:revLst>
+</p1510:revInfo>
+</file>
+
 <file path=ppt/changesInfos/changesInfo1.xml><?xml version="1.0" encoding="utf-8"?>
 <pc:chgInfo xmlns:a="http://schemas.openxmlformats.org/drawingml/2006/main" xmlns:r="http://schemas.openxmlformats.org/officeDocument/2006/relationships" xmlns:ac="http://schemas.microsoft.com/office/drawing/2013/main/command" xmlns:pc="http://schemas.microsoft.com/office/powerpoint/2013/main/command">
   <pc:docChgLst>
@@ -265,6 +280,30 @@
     </pc:docChg>
   </pc:docChgLst>
   <pc:docChgLst>
+    <pc:chgData name="Li Lixiang" userId="6104bbfcb56aea79" providerId="LiveId" clId="{005F5B50-AD91-4943-92C8-BCC7E2D4CC3A}"/>
+    <pc:docChg chg="custSel modSld">
+      <pc:chgData name="Li Lixiang" userId="6104bbfcb56aea79" providerId="LiveId" clId="{005F5B50-AD91-4943-92C8-BCC7E2D4CC3A}" dt="2021-03-04T04:20:25.829" v="14" actId="20577"/>
+      <pc:docMkLst>
+        <pc:docMk/>
+      </pc:docMkLst>
+      <pc:sldChg chg="modSp mod">
+        <pc:chgData name="Li Lixiang" userId="6104bbfcb56aea79" providerId="LiveId" clId="{005F5B50-AD91-4943-92C8-BCC7E2D4CC3A}" dt="2021-03-04T04:20:25.829" v="14" actId="20577"/>
+        <pc:sldMkLst>
+          <pc:docMk/>
+          <pc:sldMk cId="3650079851" sldId="256"/>
+        </pc:sldMkLst>
+        <pc:spChg chg="mod">
+          <ac:chgData name="Li Lixiang" userId="6104bbfcb56aea79" providerId="LiveId" clId="{005F5B50-AD91-4943-92C8-BCC7E2D4CC3A}" dt="2021-03-04T04:20:25.829" v="14" actId="20577"/>
+          <ac:spMkLst>
+            <pc:docMk/>
+            <pc:sldMk cId="3650079851" sldId="256"/>
+            <ac:spMk id="4" creationId="{8DE6899A-D842-4C9E-ADC1-B0C1377122EA}"/>
+          </ac:spMkLst>
+        </pc:spChg>
+      </pc:sldChg>
+    </pc:docChg>
+  </pc:docChgLst>
+  <pc:docChgLst>
     <pc:chgData name="Li Lixiang" userId="6104bbfcb56aea79" providerId="LiveId" clId="{25C7D892-22D0-459A-BEB2-3BE2E3CBD263}"/>
     <pc:docChg chg="undo custSel modSld">
       <pc:chgData name="Li Lixiang" userId="6104bbfcb56aea79" providerId="LiveId" clId="{25C7D892-22D0-459A-BEB2-3BE2E3CBD263}" dt="2021-08-04T11:55:56.887" v="340" actId="6549"/>
@@ -662,20 +701,190 @@
     </pc:docChg>
   </pc:docChgLst>
   <pc:docChgLst>
-    <pc:chgData name="Li Lixiang" userId="6104bbfcb56aea79" providerId="LiveId" clId="{72F1DD61-9CEF-4CCE-8F71-803F00A73879}"/>
-    <pc:docChg chg="modSld">
-      <pc:chgData name="Li Lixiang" userId="6104bbfcb56aea79" providerId="LiveId" clId="{72F1DD61-9CEF-4CCE-8F71-803F00A73879}" dt="2021-08-28T02:39:15.460" v="2" actId="6549"/>
+    <pc:chgData name="Li Lixiang" userId="6104bbfcb56aea79" providerId="LiveId" clId="{3A3D6FCF-9A78-4428-9A78-7838A0A4199F}"/>
+    <pc:docChg chg="undo custSel addSld modSld sldOrd">
+      <pc:chgData name="Li Lixiang" userId="6104bbfcb56aea79" providerId="LiveId" clId="{3A3D6FCF-9A78-4428-9A78-7838A0A4199F}" dt="2021-12-26T06:47:57.046" v="2633" actId="20577"/>
+      <pc:docMkLst>
+        <pc:docMk/>
+      </pc:docMkLst>
+      <pc:sldChg chg="modSp new mod ord">
+        <pc:chgData name="Li Lixiang" userId="6104bbfcb56aea79" providerId="LiveId" clId="{3A3D6FCF-9A78-4428-9A78-7838A0A4199F}" dt="2021-12-11T12:12:52.392" v="205"/>
+        <pc:sldMkLst>
+          <pc:docMk/>
+          <pc:sldMk cId="2211766952" sldId="271"/>
+        </pc:sldMkLst>
+        <pc:spChg chg="mod">
+          <ac:chgData name="Li Lixiang" userId="6104bbfcb56aea79" providerId="LiveId" clId="{3A3D6FCF-9A78-4428-9A78-7838A0A4199F}" dt="2021-12-11T12:10:59.044" v="16" actId="20577"/>
+          <ac:spMkLst>
+            <pc:docMk/>
+            <pc:sldMk cId="2211766952" sldId="271"/>
+            <ac:spMk id="2" creationId="{41BF6E9F-1C37-4DE8-A507-E72199CF0AA1}"/>
+          </ac:spMkLst>
+        </pc:spChg>
+        <pc:spChg chg="mod">
+          <ac:chgData name="Li Lixiang" userId="6104bbfcb56aea79" providerId="LiveId" clId="{3A3D6FCF-9A78-4428-9A78-7838A0A4199F}" dt="2021-12-11T12:12:52.392" v="205"/>
+          <ac:spMkLst>
+            <pc:docMk/>
+            <pc:sldMk cId="2211766952" sldId="271"/>
+            <ac:spMk id="3" creationId="{3DB64EB4-3381-4E76-8DB9-1C9824F17E70}"/>
+          </ac:spMkLst>
+        </pc:spChg>
+      </pc:sldChg>
+      <pc:sldChg chg="modSp add mod">
+        <pc:chgData name="Li Lixiang" userId="6104bbfcb56aea79" providerId="LiveId" clId="{3A3D6FCF-9A78-4428-9A78-7838A0A4199F}" dt="2021-12-26T04:58:19.522" v="1273" actId="207"/>
+        <pc:sldMkLst>
+          <pc:docMk/>
+          <pc:sldMk cId="987004088" sldId="272"/>
+        </pc:sldMkLst>
+        <pc:spChg chg="mod">
+          <ac:chgData name="Li Lixiang" userId="6104bbfcb56aea79" providerId="LiveId" clId="{3A3D6FCF-9A78-4428-9A78-7838A0A4199F}" dt="2021-12-26T04:58:19.522" v="1273" actId="207"/>
+          <ac:spMkLst>
+            <pc:docMk/>
+            <pc:sldMk cId="987004088" sldId="272"/>
+            <ac:spMk id="3" creationId="{3DB64EB4-3381-4E76-8DB9-1C9824F17E70}"/>
+          </ac:spMkLst>
+        </pc:spChg>
+      </pc:sldChg>
+      <pc:sldChg chg="modSp add mod">
+        <pc:chgData name="Li Lixiang" userId="6104bbfcb56aea79" providerId="LiveId" clId="{3A3D6FCF-9A78-4428-9A78-7838A0A4199F}" dt="2021-12-11T12:27:30.566" v="1169" actId="6549"/>
+        <pc:sldMkLst>
+          <pc:docMk/>
+          <pc:sldMk cId="2199169625" sldId="273"/>
+        </pc:sldMkLst>
+        <pc:spChg chg="mod">
+          <ac:chgData name="Li Lixiang" userId="6104bbfcb56aea79" providerId="LiveId" clId="{3A3D6FCF-9A78-4428-9A78-7838A0A4199F}" dt="2021-12-11T12:27:30.566" v="1169" actId="6549"/>
+          <ac:spMkLst>
+            <pc:docMk/>
+            <pc:sldMk cId="2199169625" sldId="273"/>
+            <ac:spMk id="3" creationId="{3DB64EB4-3381-4E76-8DB9-1C9824F17E70}"/>
+          </ac:spMkLst>
+        </pc:spChg>
+      </pc:sldChg>
+      <pc:sldChg chg="modSp add mod">
+        <pc:chgData name="Li Lixiang" userId="6104bbfcb56aea79" providerId="LiveId" clId="{3A3D6FCF-9A78-4428-9A78-7838A0A4199F}" dt="2021-12-11T12:26:13.191" v="1167" actId="6549"/>
+        <pc:sldMkLst>
+          <pc:docMk/>
+          <pc:sldMk cId="4225252998" sldId="274"/>
+        </pc:sldMkLst>
+        <pc:spChg chg="mod">
+          <ac:chgData name="Li Lixiang" userId="6104bbfcb56aea79" providerId="LiveId" clId="{3A3D6FCF-9A78-4428-9A78-7838A0A4199F}" dt="2021-12-11T12:26:13.191" v="1167" actId="6549"/>
+          <ac:spMkLst>
+            <pc:docMk/>
+            <pc:sldMk cId="4225252998" sldId="274"/>
+            <ac:spMk id="3" creationId="{3DB64EB4-3381-4E76-8DB9-1C9824F17E70}"/>
+          </ac:spMkLst>
+        </pc:spChg>
+      </pc:sldChg>
+      <pc:sldChg chg="modSp add mod">
+        <pc:chgData name="Li Lixiang" userId="6104bbfcb56aea79" providerId="LiveId" clId="{3A3D6FCF-9A78-4428-9A78-7838A0A4199F}" dt="2021-12-11T12:30:39.829" v="1272" actId="20577"/>
+        <pc:sldMkLst>
+          <pc:docMk/>
+          <pc:sldMk cId="791607277" sldId="275"/>
+        </pc:sldMkLst>
+        <pc:spChg chg="mod">
+          <ac:chgData name="Li Lixiang" userId="6104bbfcb56aea79" providerId="LiveId" clId="{3A3D6FCF-9A78-4428-9A78-7838A0A4199F}" dt="2021-12-11T12:30:39.829" v="1272" actId="20577"/>
+          <ac:spMkLst>
+            <pc:docMk/>
+            <pc:sldMk cId="791607277" sldId="275"/>
+            <ac:spMk id="3" creationId="{3DB64EB4-3381-4E76-8DB9-1C9824F17E70}"/>
+          </ac:spMkLst>
+        </pc:spChg>
+      </pc:sldChg>
+      <pc:sldChg chg="addSp delSp modSp new mod ord">
+        <pc:chgData name="Li Lixiang" userId="6104bbfcb56aea79" providerId="LiveId" clId="{3A3D6FCF-9A78-4428-9A78-7838A0A4199F}" dt="2021-12-26T06:25:59.516" v="2270" actId="1037"/>
+        <pc:sldMkLst>
+          <pc:docMk/>
+          <pc:sldMk cId="1019478626" sldId="276"/>
+        </pc:sldMkLst>
+        <pc:spChg chg="del">
+          <ac:chgData name="Li Lixiang" userId="6104bbfcb56aea79" providerId="LiveId" clId="{3A3D6FCF-9A78-4428-9A78-7838A0A4199F}" dt="2021-12-26T04:58:38.119" v="1275" actId="478"/>
+          <ac:spMkLst>
+            <pc:docMk/>
+            <pc:sldMk cId="1019478626" sldId="276"/>
+            <ac:spMk id="2" creationId="{FF4325D0-1C68-45EA-9B63-4BA8915DCBC3}"/>
+          </ac:spMkLst>
+        </pc:spChg>
+        <pc:spChg chg="mod">
+          <ac:chgData name="Li Lixiang" userId="6104bbfcb56aea79" providerId="LiveId" clId="{3A3D6FCF-9A78-4428-9A78-7838A0A4199F}" dt="2021-12-26T05:05:32.327" v="2054" actId="20577"/>
+          <ac:spMkLst>
+            <pc:docMk/>
+            <pc:sldMk cId="1019478626" sldId="276"/>
+            <ac:spMk id="3" creationId="{AF01B25A-5A6D-40E2-B243-C62FAEBD3598}"/>
+          </ac:spMkLst>
+        </pc:spChg>
+        <pc:spChg chg="add mod">
+          <ac:chgData name="Li Lixiang" userId="6104bbfcb56aea79" providerId="LiveId" clId="{3A3D6FCF-9A78-4428-9A78-7838A0A4199F}" dt="2021-12-26T06:25:59.516" v="2270" actId="1037"/>
+          <ac:spMkLst>
+            <pc:docMk/>
+            <pc:sldMk cId="1019478626" sldId="276"/>
+            <ac:spMk id="4" creationId="{45BDF52B-91B5-423E-A3A1-FC893B1E618B}"/>
+          </ac:spMkLst>
+        </pc:spChg>
+        <pc:spChg chg="add mod">
+          <ac:chgData name="Li Lixiang" userId="6104bbfcb56aea79" providerId="LiveId" clId="{3A3D6FCF-9A78-4428-9A78-7838A0A4199F}" dt="2021-12-26T06:25:59.516" v="2270" actId="1037"/>
+          <ac:spMkLst>
+            <pc:docMk/>
+            <pc:sldMk cId="1019478626" sldId="276"/>
+            <ac:spMk id="5" creationId="{0D2F1D31-7ED9-4308-B779-B9CCD594F1DC}"/>
+          </ac:spMkLst>
+        </pc:spChg>
+        <pc:spChg chg="add mod">
+          <ac:chgData name="Li Lixiang" userId="6104bbfcb56aea79" providerId="LiveId" clId="{3A3D6FCF-9A78-4428-9A78-7838A0A4199F}" dt="2021-12-26T06:25:05.608" v="2172" actId="20577"/>
+          <ac:spMkLst>
+            <pc:docMk/>
+            <pc:sldMk cId="1019478626" sldId="276"/>
+            <ac:spMk id="6" creationId="{BFCF7CF3-33E3-4D4E-B421-9ADACCCB3CB7}"/>
+          </ac:spMkLst>
+        </pc:spChg>
+        <pc:spChg chg="add mod">
+          <ac:chgData name="Li Lixiang" userId="6104bbfcb56aea79" providerId="LiveId" clId="{3A3D6FCF-9A78-4428-9A78-7838A0A4199F}" dt="2021-12-26T06:25:52.932" v="2250" actId="20577"/>
+          <ac:spMkLst>
+            <pc:docMk/>
+            <pc:sldMk cId="1019478626" sldId="276"/>
+            <ac:spMk id="7" creationId="{776EFC5E-FE77-4C41-8F38-2AEE9AA09568}"/>
+          </ac:spMkLst>
+        </pc:spChg>
+      </pc:sldChg>
+      <pc:sldChg chg="modSp new mod">
+        <pc:chgData name="Li Lixiang" userId="6104bbfcb56aea79" providerId="LiveId" clId="{3A3D6FCF-9A78-4428-9A78-7838A0A4199F}" dt="2021-12-26T06:47:57.046" v="2633" actId="20577"/>
+        <pc:sldMkLst>
+          <pc:docMk/>
+          <pc:sldMk cId="2296406748" sldId="277"/>
+        </pc:sldMkLst>
+        <pc:spChg chg="mod">
+          <ac:chgData name="Li Lixiang" userId="6104bbfcb56aea79" providerId="LiveId" clId="{3A3D6FCF-9A78-4428-9A78-7838A0A4199F}" dt="2021-12-26T06:27:44.200" v="2283" actId="20577"/>
+          <ac:spMkLst>
+            <pc:docMk/>
+            <pc:sldMk cId="2296406748" sldId="277"/>
+            <ac:spMk id="2" creationId="{4336EC2F-79FC-49CA-9C12-24F846666CFF}"/>
+          </ac:spMkLst>
+        </pc:spChg>
+        <pc:spChg chg="mod">
+          <ac:chgData name="Li Lixiang" userId="6104bbfcb56aea79" providerId="LiveId" clId="{3A3D6FCF-9A78-4428-9A78-7838A0A4199F}" dt="2021-12-26T06:47:57.046" v="2633" actId="20577"/>
+          <ac:spMkLst>
+            <pc:docMk/>
+            <pc:sldMk cId="2296406748" sldId="277"/>
+            <ac:spMk id="3" creationId="{073E933C-F533-4EBB-A681-0CDCB1F8AF08}"/>
+          </ac:spMkLst>
+        </pc:spChg>
+      </pc:sldChg>
+    </pc:docChg>
+  </pc:docChgLst>
+  <pc:docChgLst>
+    <pc:chgData name="Li Lixiang" userId="6104bbfcb56aea79" providerId="LiveId" clId="{C02319E9-8A6B-4827-952D-2247EFB22BD9}"/>
+    <pc:docChg chg="custSel modSld sldOrd">
+      <pc:chgData name="Li Lixiang" userId="6104bbfcb56aea79" providerId="LiveId" clId="{C02319E9-8A6B-4827-952D-2247EFB22BD9}" dt="2021-06-28T13:25:59.267" v="191"/>
       <pc:docMkLst>
         <pc:docMk/>
       </pc:docMkLst>
       <pc:sldChg chg="modSp mod">
-        <pc:chgData name="Li Lixiang" userId="6104bbfcb56aea79" providerId="LiveId" clId="{72F1DD61-9CEF-4CCE-8F71-803F00A73879}" dt="2021-08-28T02:39:15.460" v="2" actId="6549"/>
+        <pc:chgData name="Li Lixiang" userId="6104bbfcb56aea79" providerId="LiveId" clId="{C02319E9-8A6B-4827-952D-2247EFB22BD9}" dt="2021-06-28T11:42:21.782" v="1" actId="20577"/>
         <pc:sldMkLst>
           <pc:docMk/>
           <pc:sldMk cId="3650079851" sldId="256"/>
         </pc:sldMkLst>
         <pc:spChg chg="mod">
-          <ac:chgData name="Li Lixiang" userId="6104bbfcb56aea79" providerId="LiveId" clId="{72F1DD61-9CEF-4CCE-8F71-803F00A73879}" dt="2021-08-28T02:39:15.460" v="2" actId="6549"/>
+          <ac:chgData name="Li Lixiang" userId="6104bbfcb56aea79" providerId="LiveId" clId="{C02319E9-8A6B-4827-952D-2247EFB22BD9}" dt="2021-06-28T11:42:21.782" v="1" actId="20577"/>
           <ac:spMkLst>
             <pc:docMk/>
             <pc:sldMk cId="3650079851" sldId="256"/>
@@ -683,303 +892,32 @@
           </ac:spMkLst>
         </pc:spChg>
       </pc:sldChg>
-    </pc:docChg>
-  </pc:docChgLst>
-  <pc:docChgLst>
-    <pc:chgData name="Li Lixiang" userId="6104bbfcb56aea79" providerId="LiveId" clId="{005F5B50-AD91-4943-92C8-BCC7E2D4CC3A}"/>
-    <pc:docChg chg="custSel modSld">
-      <pc:chgData name="Li Lixiang" userId="6104bbfcb56aea79" providerId="LiveId" clId="{005F5B50-AD91-4943-92C8-BCC7E2D4CC3A}" dt="2021-03-04T04:20:25.829" v="14" actId="20577"/>
-      <pc:docMkLst>
-        <pc:docMk/>
-      </pc:docMkLst>
-      <pc:sldChg chg="modSp mod">
-        <pc:chgData name="Li Lixiang" userId="6104bbfcb56aea79" providerId="LiveId" clId="{005F5B50-AD91-4943-92C8-BCC7E2D4CC3A}" dt="2021-03-04T04:20:25.829" v="14" actId="20577"/>
+      <pc:sldChg chg="ord">
+        <pc:chgData name="Li Lixiang" userId="6104bbfcb56aea79" providerId="LiveId" clId="{C02319E9-8A6B-4827-952D-2247EFB22BD9}" dt="2021-06-28T13:25:59.267" v="191"/>
         <pc:sldMkLst>
           <pc:docMk/>
-          <pc:sldMk cId="3650079851" sldId="256"/>
+          <pc:sldMk cId="753221471" sldId="264"/>
         </pc:sldMkLst>
-        <pc:spChg chg="mod">
-          <ac:chgData name="Li Lixiang" userId="6104bbfcb56aea79" providerId="LiveId" clId="{005F5B50-AD91-4943-92C8-BCC7E2D4CC3A}" dt="2021-03-04T04:20:25.829" v="14" actId="20577"/>
-          <ac:spMkLst>
-            <pc:docMk/>
-            <pc:sldMk cId="3650079851" sldId="256"/>
-            <ac:spMk id="4" creationId="{8DE6899A-D842-4C9E-ADC1-B0C1377122EA}"/>
-          </ac:spMkLst>
-        </pc:spChg>
       </pc:sldChg>
-    </pc:docChg>
-  </pc:docChgLst>
-  <pc:docChgLst>
-    <pc:chgData name="Li Lixiang" userId="6104bbfcb56aea79" providerId="LiveId" clId="{5B8BCFE6-B04A-4CE8-A7E5-49E8F9D4A150}"/>
-    <pc:docChg chg="undo custSel addSld modSld sldOrd">
-      <pc:chgData name="Li Lixiang" userId="6104bbfcb56aea79" providerId="LiveId" clId="{5B8BCFE6-B04A-4CE8-A7E5-49E8F9D4A150}" dt="2021-06-04T04:57:28.771" v="1449" actId="1076"/>
-      <pc:docMkLst>
-        <pc:docMk/>
-      </pc:docMkLst>
-      <pc:sldChg chg="modSp mod">
-        <pc:chgData name="Li Lixiang" userId="6104bbfcb56aea79" providerId="LiveId" clId="{5B8BCFE6-B04A-4CE8-A7E5-49E8F9D4A150}" dt="2021-05-31T21:18:19.383" v="601" actId="1035"/>
+      <pc:sldChg chg="ord">
+        <pc:chgData name="Li Lixiang" userId="6104bbfcb56aea79" providerId="LiveId" clId="{C02319E9-8A6B-4827-952D-2247EFB22BD9}" dt="2021-06-28T13:25:59.267" v="191"/>
         <pc:sldMkLst>
           <pc:docMk/>
-          <pc:sldMk cId="3957381771" sldId="263"/>
+          <pc:sldMk cId="451125618" sldId="265"/>
         </pc:sldMkLst>
-        <pc:spChg chg="mod">
-          <ac:chgData name="Li Lixiang" userId="6104bbfcb56aea79" providerId="LiveId" clId="{5B8BCFE6-B04A-4CE8-A7E5-49E8F9D4A150}" dt="2021-05-31T21:18:19.383" v="601" actId="1035"/>
-          <ac:spMkLst>
-            <pc:docMk/>
-            <pc:sldMk cId="3957381771" sldId="263"/>
-            <ac:spMk id="5" creationId="{24C6C14A-404A-46CC-BBB2-888A7B4B7C1A}"/>
-          </ac:spMkLst>
-        </pc:spChg>
       </pc:sldChg>
-      <pc:sldChg chg="addSp delSp modSp add mod">
-        <pc:chgData name="Li Lixiang" userId="6104bbfcb56aea79" providerId="LiveId" clId="{5B8BCFE6-B04A-4CE8-A7E5-49E8F9D4A150}" dt="2021-05-31T20:56:31.208" v="385" actId="1076"/>
-        <pc:sldMkLst>
-          <pc:docMk/>
-          <pc:sldMk cId="783728514" sldId="271"/>
-        </pc:sldMkLst>
-        <pc:spChg chg="mod">
-          <ac:chgData name="Li Lixiang" userId="6104bbfcb56aea79" providerId="LiveId" clId="{5B8BCFE6-B04A-4CE8-A7E5-49E8F9D4A150}" dt="2021-05-31T20:52:16.726" v="14" actId="20577"/>
-          <ac:spMkLst>
-            <pc:docMk/>
-            <pc:sldMk cId="783728514" sldId="271"/>
-            <ac:spMk id="2" creationId="{5EC01E2D-9CFE-4D5D-8863-3BA90731F07B}"/>
-          </ac:spMkLst>
-        </pc:spChg>
-        <pc:spChg chg="del">
-          <ac:chgData name="Li Lixiang" userId="6104bbfcb56aea79" providerId="LiveId" clId="{5B8BCFE6-B04A-4CE8-A7E5-49E8F9D4A150}" dt="2021-05-31T20:52:06.023" v="1" actId="478"/>
-          <ac:spMkLst>
-            <pc:docMk/>
-            <pc:sldMk cId="783728514" sldId="271"/>
-            <ac:spMk id="4" creationId="{42B4B2D1-5C3D-4C3D-9D41-ADE902E53137}"/>
-          </ac:spMkLst>
-        </pc:spChg>
-        <pc:spChg chg="mod">
-          <ac:chgData name="Li Lixiang" userId="6104bbfcb56aea79" providerId="LiveId" clId="{5B8BCFE6-B04A-4CE8-A7E5-49E8F9D4A150}" dt="2021-05-31T20:55:30.238" v="370" actId="20577"/>
-          <ac:spMkLst>
-            <pc:docMk/>
-            <pc:sldMk cId="783728514" sldId="271"/>
-            <ac:spMk id="5" creationId="{24C6C14A-404A-46CC-BBB2-888A7B4B7C1A}"/>
-          </ac:spMkLst>
-        </pc:spChg>
-        <pc:spChg chg="del">
-          <ac:chgData name="Li Lixiang" userId="6104bbfcb56aea79" providerId="LiveId" clId="{5B8BCFE6-B04A-4CE8-A7E5-49E8F9D4A150}" dt="2021-05-31T20:52:09.988" v="2" actId="478"/>
-          <ac:spMkLst>
-            <pc:docMk/>
-            <pc:sldMk cId="783728514" sldId="271"/>
-            <ac:spMk id="8" creationId="{2591EF92-2BC2-453C-AE10-E7EA1FBB0758}"/>
-          </ac:spMkLst>
-        </pc:spChg>
-        <pc:spChg chg="add del">
-          <ac:chgData name="Li Lixiang" userId="6104bbfcb56aea79" providerId="LiveId" clId="{5B8BCFE6-B04A-4CE8-A7E5-49E8F9D4A150}" dt="2021-05-31T20:55:45.861" v="372" actId="22"/>
-          <ac:spMkLst>
-            <pc:docMk/>
-            <pc:sldMk cId="783728514" sldId="271"/>
-            <ac:spMk id="10" creationId="{FEB354D4-7021-4241-B345-06CF0ED720D0}"/>
-          </ac:spMkLst>
-        </pc:spChg>
-        <pc:spChg chg="add mod">
-          <ac:chgData name="Li Lixiang" userId="6104bbfcb56aea79" providerId="LiveId" clId="{5B8BCFE6-B04A-4CE8-A7E5-49E8F9D4A150}" dt="2021-05-31T20:56:13.669" v="379" actId="14100"/>
-          <ac:spMkLst>
-            <pc:docMk/>
-            <pc:sldMk cId="783728514" sldId="271"/>
-            <ac:spMk id="12" creationId="{0A13C744-A28D-4F54-82D1-80E6827F39EB}"/>
-          </ac:spMkLst>
-        </pc:spChg>
-        <pc:spChg chg="add mod">
-          <ac:chgData name="Li Lixiang" userId="6104bbfcb56aea79" providerId="LiveId" clId="{5B8BCFE6-B04A-4CE8-A7E5-49E8F9D4A150}" dt="2021-05-31T20:56:18.751" v="381" actId="1076"/>
-          <ac:spMkLst>
-            <pc:docMk/>
-            <pc:sldMk cId="783728514" sldId="271"/>
-            <ac:spMk id="13" creationId="{21351388-C40B-4669-9A3C-7CEA57C3A85B}"/>
-          </ac:spMkLst>
-        </pc:spChg>
-        <pc:spChg chg="add mod">
-          <ac:chgData name="Li Lixiang" userId="6104bbfcb56aea79" providerId="LiveId" clId="{5B8BCFE6-B04A-4CE8-A7E5-49E8F9D4A150}" dt="2021-05-31T20:56:25.075" v="383" actId="1076"/>
-          <ac:spMkLst>
-            <pc:docMk/>
-            <pc:sldMk cId="783728514" sldId="271"/>
-            <ac:spMk id="14" creationId="{6A44328C-E86F-41B3-AFED-6D7EA3F6A509}"/>
-          </ac:spMkLst>
-        </pc:spChg>
-        <pc:spChg chg="add mod">
-          <ac:chgData name="Li Lixiang" userId="6104bbfcb56aea79" providerId="LiveId" clId="{5B8BCFE6-B04A-4CE8-A7E5-49E8F9D4A150}" dt="2021-05-31T20:56:31.208" v="385" actId="1076"/>
-          <ac:spMkLst>
-            <pc:docMk/>
-            <pc:sldMk cId="783728514" sldId="271"/>
-            <ac:spMk id="15" creationId="{95E058FC-93DD-4C3D-843F-93D8C3263D65}"/>
-          </ac:spMkLst>
-        </pc:spChg>
-        <pc:graphicFrameChg chg="del">
-          <ac:chgData name="Li Lixiang" userId="6104bbfcb56aea79" providerId="LiveId" clId="{5B8BCFE6-B04A-4CE8-A7E5-49E8F9D4A150}" dt="2021-05-31T20:52:06.023" v="1" actId="478"/>
-          <ac:graphicFrameMkLst>
-            <pc:docMk/>
-            <pc:sldMk cId="783728514" sldId="271"/>
-            <ac:graphicFrameMk id="6" creationId="{374DFA12-6158-4BE8-9A6C-CEF6E24771E3}"/>
-          </ac:graphicFrameMkLst>
-        </pc:graphicFrameChg>
-        <pc:graphicFrameChg chg="del">
-          <ac:chgData name="Li Lixiang" userId="6104bbfcb56aea79" providerId="LiveId" clId="{5B8BCFE6-B04A-4CE8-A7E5-49E8F9D4A150}" dt="2021-05-31T20:52:06.023" v="1" actId="478"/>
-          <ac:graphicFrameMkLst>
-            <pc:docMk/>
-            <pc:sldMk cId="783728514" sldId="271"/>
-            <ac:graphicFrameMk id="7" creationId="{2C31C464-B89D-457F-8317-34D7C44C4E28}"/>
-          </ac:graphicFrameMkLst>
-        </pc:graphicFrameChg>
-      </pc:sldChg>
-      <pc:sldChg chg="delSp modSp add mod">
-        <pc:chgData name="Li Lixiang" userId="6104bbfcb56aea79" providerId="LiveId" clId="{5B8BCFE6-B04A-4CE8-A7E5-49E8F9D4A150}" dt="2021-05-31T20:59:37.861" v="476" actId="404"/>
+      <pc:sldChg chg="modSp mod">
+        <pc:chgData name="Li Lixiang" userId="6104bbfcb56aea79" providerId="LiveId" clId="{C02319E9-8A6B-4827-952D-2247EFB22BD9}" dt="2021-06-28T12:51:00.341" v="187" actId="20577"/>
         <pc:sldMkLst>
           <pc:docMk/>
           <pc:sldMk cId="99124880" sldId="272"/>
         </pc:sldMkLst>
         <pc:spChg chg="mod">
-          <ac:chgData name="Li Lixiang" userId="6104bbfcb56aea79" providerId="LiveId" clId="{5B8BCFE6-B04A-4CE8-A7E5-49E8F9D4A150}" dt="2021-05-31T20:58:44.417" v="426" actId="20577"/>
+          <ac:chgData name="Li Lixiang" userId="6104bbfcb56aea79" providerId="LiveId" clId="{C02319E9-8A6B-4827-952D-2247EFB22BD9}" dt="2021-06-28T12:51:00.341" v="187" actId="20577"/>
           <ac:spMkLst>
             <pc:docMk/>
             <pc:sldMk cId="99124880" sldId="272"/>
-            <ac:spMk id="2" creationId="{5EC01E2D-9CFE-4D5D-8863-3BA90731F07B}"/>
-          </ac:spMkLst>
-        </pc:spChg>
-        <pc:spChg chg="del">
-          <ac:chgData name="Li Lixiang" userId="6104bbfcb56aea79" providerId="LiveId" clId="{5B8BCFE6-B04A-4CE8-A7E5-49E8F9D4A150}" dt="2021-05-31T20:58:58.183" v="430" actId="478"/>
-          <ac:spMkLst>
-            <pc:docMk/>
-            <pc:sldMk cId="99124880" sldId="272"/>
-            <ac:spMk id="12" creationId="{0A13C744-A28D-4F54-82D1-80E6827F39EB}"/>
-          </ac:spMkLst>
-        </pc:spChg>
-        <pc:spChg chg="del">
-          <ac:chgData name="Li Lixiang" userId="6104bbfcb56aea79" providerId="LiveId" clId="{5B8BCFE6-B04A-4CE8-A7E5-49E8F9D4A150}" dt="2021-05-31T20:58:56.330" v="429" actId="478"/>
-          <ac:spMkLst>
-            <pc:docMk/>
-            <pc:sldMk cId="99124880" sldId="272"/>
-            <ac:spMk id="13" creationId="{21351388-C40B-4669-9A3C-7CEA57C3A85B}"/>
-          </ac:spMkLst>
-        </pc:spChg>
-        <pc:spChg chg="del">
-          <ac:chgData name="Li Lixiang" userId="6104bbfcb56aea79" providerId="LiveId" clId="{5B8BCFE6-B04A-4CE8-A7E5-49E8F9D4A150}" dt="2021-05-31T20:58:51.943" v="427" actId="478"/>
-          <ac:spMkLst>
-            <pc:docMk/>
-            <pc:sldMk cId="99124880" sldId="272"/>
-            <ac:spMk id="14" creationId="{6A44328C-E86F-41B3-AFED-6D7EA3F6A509}"/>
-          </ac:spMkLst>
-        </pc:spChg>
-        <pc:spChg chg="del">
-          <ac:chgData name="Li Lixiang" userId="6104bbfcb56aea79" providerId="LiveId" clId="{5B8BCFE6-B04A-4CE8-A7E5-49E8F9D4A150}" dt="2021-05-31T20:58:53.899" v="428" actId="478"/>
-          <ac:spMkLst>
-            <pc:docMk/>
-            <pc:sldMk cId="99124880" sldId="272"/>
-            <ac:spMk id="15" creationId="{95E058FC-93DD-4C3D-843F-93D8C3263D65}"/>
-          </ac:spMkLst>
-        </pc:spChg>
-        <pc:graphicFrameChg chg="mod modGraphic">
-          <ac:chgData name="Li Lixiang" userId="6104bbfcb56aea79" providerId="LiveId" clId="{5B8BCFE6-B04A-4CE8-A7E5-49E8F9D4A150}" dt="2021-05-31T20:59:37.861" v="476" actId="404"/>
-          <ac:graphicFrameMkLst>
-            <pc:docMk/>
-            <pc:sldMk cId="99124880" sldId="272"/>
-            <ac:graphicFrameMk id="3" creationId="{7DA18F9D-C006-4166-B205-D7B35D668CB9}"/>
-          </ac:graphicFrameMkLst>
-        </pc:graphicFrameChg>
-      </pc:sldChg>
-      <pc:sldChg chg="delSp modSp add mod ord">
-        <pc:chgData name="Li Lixiang" userId="6104bbfcb56aea79" providerId="LiveId" clId="{5B8BCFE6-B04A-4CE8-A7E5-49E8F9D4A150}" dt="2021-05-31T21:30:00.199" v="1148" actId="20577"/>
-        <pc:sldMkLst>
-          <pc:docMk/>
-          <pc:sldMk cId="178439782" sldId="273"/>
-        </pc:sldMkLst>
-        <pc:spChg chg="mod">
-          <ac:chgData name="Li Lixiang" userId="6104bbfcb56aea79" providerId="LiveId" clId="{5B8BCFE6-B04A-4CE8-A7E5-49E8F9D4A150}" dt="2021-05-31T21:21:20.161" v="617" actId="20577"/>
-          <ac:spMkLst>
-            <pc:docMk/>
-            <pc:sldMk cId="178439782" sldId="273"/>
-            <ac:spMk id="2" creationId="{5EC01E2D-9CFE-4D5D-8863-3BA90731F07B}"/>
-          </ac:spMkLst>
-        </pc:spChg>
-        <pc:spChg chg="mod">
-          <ac:chgData name="Li Lixiang" userId="6104bbfcb56aea79" providerId="LiveId" clId="{5B8BCFE6-B04A-4CE8-A7E5-49E8F9D4A150}" dt="2021-05-31T21:30:00.199" v="1148" actId="20577"/>
-          <ac:spMkLst>
-            <pc:docMk/>
-            <pc:sldMk cId="178439782" sldId="273"/>
             <ac:spMk id="5" creationId="{24C6C14A-404A-46CC-BBB2-888A7B4B7C1A}"/>
-          </ac:spMkLst>
-        </pc:spChg>
-        <pc:spChg chg="del">
-          <ac:chgData name="Li Lixiang" userId="6104bbfcb56aea79" providerId="LiveId" clId="{5B8BCFE6-B04A-4CE8-A7E5-49E8F9D4A150}" dt="2021-05-31T21:21:25.298" v="618" actId="478"/>
-          <ac:spMkLst>
-            <pc:docMk/>
-            <pc:sldMk cId="178439782" sldId="273"/>
-            <ac:spMk id="12" creationId="{0A13C744-A28D-4F54-82D1-80E6827F39EB}"/>
-          </ac:spMkLst>
-        </pc:spChg>
-        <pc:spChg chg="del">
-          <ac:chgData name="Li Lixiang" userId="6104bbfcb56aea79" providerId="LiveId" clId="{5B8BCFE6-B04A-4CE8-A7E5-49E8F9D4A150}" dt="2021-05-31T21:21:25.298" v="618" actId="478"/>
-          <ac:spMkLst>
-            <pc:docMk/>
-            <pc:sldMk cId="178439782" sldId="273"/>
-            <ac:spMk id="13" creationId="{21351388-C40B-4669-9A3C-7CEA57C3A85B}"/>
-          </ac:spMkLst>
-        </pc:spChg>
-        <pc:spChg chg="del">
-          <ac:chgData name="Li Lixiang" userId="6104bbfcb56aea79" providerId="LiveId" clId="{5B8BCFE6-B04A-4CE8-A7E5-49E8F9D4A150}" dt="2021-05-31T21:21:25.298" v="618" actId="478"/>
-          <ac:spMkLst>
-            <pc:docMk/>
-            <pc:sldMk cId="178439782" sldId="273"/>
-            <ac:spMk id="14" creationId="{6A44328C-E86F-41B3-AFED-6D7EA3F6A509}"/>
-          </ac:spMkLst>
-        </pc:spChg>
-        <pc:spChg chg="del">
-          <ac:chgData name="Li Lixiang" userId="6104bbfcb56aea79" providerId="LiveId" clId="{5B8BCFE6-B04A-4CE8-A7E5-49E8F9D4A150}" dt="2021-05-31T21:21:25.298" v="618" actId="478"/>
-          <ac:spMkLst>
-            <pc:docMk/>
-            <pc:sldMk cId="178439782" sldId="273"/>
-            <ac:spMk id="15" creationId="{95E058FC-93DD-4C3D-843F-93D8C3263D65}"/>
-          </ac:spMkLst>
-        </pc:spChg>
-        <pc:graphicFrameChg chg="del">
-          <ac:chgData name="Li Lixiang" userId="6104bbfcb56aea79" providerId="LiveId" clId="{5B8BCFE6-B04A-4CE8-A7E5-49E8F9D4A150}" dt="2021-05-31T21:21:25.298" v="618" actId="478"/>
-          <ac:graphicFrameMkLst>
-            <pc:docMk/>
-            <pc:sldMk cId="178439782" sldId="273"/>
-            <ac:graphicFrameMk id="3" creationId="{7DA18F9D-C006-4166-B205-D7B35D668CB9}"/>
-          </ac:graphicFrameMkLst>
-        </pc:graphicFrameChg>
-      </pc:sldChg>
-      <pc:sldChg chg="addSp modSp new mod">
-        <pc:chgData name="Li Lixiang" userId="6104bbfcb56aea79" providerId="LiveId" clId="{5B8BCFE6-B04A-4CE8-A7E5-49E8F9D4A150}" dt="2021-06-04T04:57:28.771" v="1449" actId="1076"/>
-        <pc:sldMkLst>
-          <pc:docMk/>
-          <pc:sldMk cId="3514307366" sldId="274"/>
-        </pc:sldMkLst>
-        <pc:spChg chg="mod">
-          <ac:chgData name="Li Lixiang" userId="6104bbfcb56aea79" providerId="LiveId" clId="{5B8BCFE6-B04A-4CE8-A7E5-49E8F9D4A150}" dt="2021-06-04T04:50:59.886" v="1169" actId="20577"/>
-          <ac:spMkLst>
-            <pc:docMk/>
-            <pc:sldMk cId="3514307366" sldId="274"/>
-            <ac:spMk id="2" creationId="{F57B12CA-0498-4C77-8ACD-C9A99D7B07F1}"/>
-          </ac:spMkLst>
-        </pc:spChg>
-        <pc:spChg chg="mod">
-          <ac:chgData name="Li Lixiang" userId="6104bbfcb56aea79" providerId="LiveId" clId="{5B8BCFE6-B04A-4CE8-A7E5-49E8F9D4A150}" dt="2021-06-04T04:57:23.435" v="1448" actId="14100"/>
-          <ac:spMkLst>
-            <pc:docMk/>
-            <pc:sldMk cId="3514307366" sldId="274"/>
-            <ac:spMk id="3" creationId="{211873FD-2CAE-4CE7-B6CD-855AEB5C6DCA}"/>
-          </ac:spMkLst>
-        </pc:spChg>
-        <pc:spChg chg="add mod">
-          <ac:chgData name="Li Lixiang" userId="6104bbfcb56aea79" providerId="LiveId" clId="{5B8BCFE6-B04A-4CE8-A7E5-49E8F9D4A150}" dt="2021-06-04T04:56:14.991" v="1370" actId="1076"/>
-          <ac:spMkLst>
-            <pc:docMk/>
-            <pc:sldMk cId="3514307366" sldId="274"/>
-            <ac:spMk id="4" creationId="{C613C551-DE95-4745-9303-077FBF854FEC}"/>
-          </ac:spMkLst>
-        </pc:spChg>
-        <pc:spChg chg="add mod">
-          <ac:chgData name="Li Lixiang" userId="6104bbfcb56aea79" providerId="LiveId" clId="{5B8BCFE6-B04A-4CE8-A7E5-49E8F9D4A150}" dt="2021-06-04T04:57:28.771" v="1449" actId="1076"/>
-          <ac:spMkLst>
-            <pc:docMk/>
-            <pc:sldMk cId="3514307366" sldId="274"/>
-            <ac:spMk id="5" creationId="{B9D911B8-FFFD-4F81-A996-6FC65DB1583A}"/>
           </ac:spMkLst>
         </pc:spChg>
       </pc:sldChg>
@@ -2844,6 +2782,282 @@
           </pc:spChg>
         </pc:sldLayoutChg>
       </pc:sldMasterChg>
+    </pc:docChg>
+  </pc:docChgLst>
+  <pc:docChgLst>
+    <pc:chgData name="Li Lixiang" userId="6104bbfcb56aea79" providerId="LiveId" clId="{5B8BCFE6-B04A-4CE8-A7E5-49E8F9D4A150}"/>
+    <pc:docChg chg="undo custSel addSld modSld sldOrd">
+      <pc:chgData name="Li Lixiang" userId="6104bbfcb56aea79" providerId="LiveId" clId="{5B8BCFE6-B04A-4CE8-A7E5-49E8F9D4A150}" dt="2021-06-04T04:57:28.771" v="1449" actId="1076"/>
+      <pc:docMkLst>
+        <pc:docMk/>
+      </pc:docMkLst>
+      <pc:sldChg chg="modSp mod">
+        <pc:chgData name="Li Lixiang" userId="6104bbfcb56aea79" providerId="LiveId" clId="{5B8BCFE6-B04A-4CE8-A7E5-49E8F9D4A150}" dt="2021-05-31T21:18:19.383" v="601" actId="1035"/>
+        <pc:sldMkLst>
+          <pc:docMk/>
+          <pc:sldMk cId="3957381771" sldId="263"/>
+        </pc:sldMkLst>
+        <pc:spChg chg="mod">
+          <ac:chgData name="Li Lixiang" userId="6104bbfcb56aea79" providerId="LiveId" clId="{5B8BCFE6-B04A-4CE8-A7E5-49E8F9D4A150}" dt="2021-05-31T21:18:19.383" v="601" actId="1035"/>
+          <ac:spMkLst>
+            <pc:docMk/>
+            <pc:sldMk cId="3957381771" sldId="263"/>
+            <ac:spMk id="5" creationId="{24C6C14A-404A-46CC-BBB2-888A7B4B7C1A}"/>
+          </ac:spMkLst>
+        </pc:spChg>
+      </pc:sldChg>
+      <pc:sldChg chg="addSp delSp modSp add mod">
+        <pc:chgData name="Li Lixiang" userId="6104bbfcb56aea79" providerId="LiveId" clId="{5B8BCFE6-B04A-4CE8-A7E5-49E8F9D4A150}" dt="2021-05-31T20:56:31.208" v="385" actId="1076"/>
+        <pc:sldMkLst>
+          <pc:docMk/>
+          <pc:sldMk cId="783728514" sldId="271"/>
+        </pc:sldMkLst>
+        <pc:spChg chg="mod">
+          <ac:chgData name="Li Lixiang" userId="6104bbfcb56aea79" providerId="LiveId" clId="{5B8BCFE6-B04A-4CE8-A7E5-49E8F9D4A150}" dt="2021-05-31T20:52:16.726" v="14" actId="20577"/>
+          <ac:spMkLst>
+            <pc:docMk/>
+            <pc:sldMk cId="783728514" sldId="271"/>
+            <ac:spMk id="2" creationId="{5EC01E2D-9CFE-4D5D-8863-3BA90731F07B}"/>
+          </ac:spMkLst>
+        </pc:spChg>
+        <pc:spChg chg="del">
+          <ac:chgData name="Li Lixiang" userId="6104bbfcb56aea79" providerId="LiveId" clId="{5B8BCFE6-B04A-4CE8-A7E5-49E8F9D4A150}" dt="2021-05-31T20:52:06.023" v="1" actId="478"/>
+          <ac:spMkLst>
+            <pc:docMk/>
+            <pc:sldMk cId="783728514" sldId="271"/>
+            <ac:spMk id="4" creationId="{42B4B2D1-5C3D-4C3D-9D41-ADE902E53137}"/>
+          </ac:spMkLst>
+        </pc:spChg>
+        <pc:spChg chg="mod">
+          <ac:chgData name="Li Lixiang" userId="6104bbfcb56aea79" providerId="LiveId" clId="{5B8BCFE6-B04A-4CE8-A7E5-49E8F9D4A150}" dt="2021-05-31T20:55:30.238" v="370" actId="20577"/>
+          <ac:spMkLst>
+            <pc:docMk/>
+            <pc:sldMk cId="783728514" sldId="271"/>
+            <ac:spMk id="5" creationId="{24C6C14A-404A-46CC-BBB2-888A7B4B7C1A}"/>
+          </ac:spMkLst>
+        </pc:spChg>
+        <pc:spChg chg="del">
+          <ac:chgData name="Li Lixiang" userId="6104bbfcb56aea79" providerId="LiveId" clId="{5B8BCFE6-B04A-4CE8-A7E5-49E8F9D4A150}" dt="2021-05-31T20:52:09.988" v="2" actId="478"/>
+          <ac:spMkLst>
+            <pc:docMk/>
+            <pc:sldMk cId="783728514" sldId="271"/>
+            <ac:spMk id="8" creationId="{2591EF92-2BC2-453C-AE10-E7EA1FBB0758}"/>
+          </ac:spMkLst>
+        </pc:spChg>
+        <pc:spChg chg="add del">
+          <ac:chgData name="Li Lixiang" userId="6104bbfcb56aea79" providerId="LiveId" clId="{5B8BCFE6-B04A-4CE8-A7E5-49E8F9D4A150}" dt="2021-05-31T20:55:45.861" v="372" actId="22"/>
+          <ac:spMkLst>
+            <pc:docMk/>
+            <pc:sldMk cId="783728514" sldId="271"/>
+            <ac:spMk id="10" creationId="{FEB354D4-7021-4241-B345-06CF0ED720D0}"/>
+          </ac:spMkLst>
+        </pc:spChg>
+        <pc:spChg chg="add mod">
+          <ac:chgData name="Li Lixiang" userId="6104bbfcb56aea79" providerId="LiveId" clId="{5B8BCFE6-B04A-4CE8-A7E5-49E8F9D4A150}" dt="2021-05-31T20:56:13.669" v="379" actId="14100"/>
+          <ac:spMkLst>
+            <pc:docMk/>
+            <pc:sldMk cId="783728514" sldId="271"/>
+            <ac:spMk id="12" creationId="{0A13C744-A28D-4F54-82D1-80E6827F39EB}"/>
+          </ac:spMkLst>
+        </pc:spChg>
+        <pc:spChg chg="add mod">
+          <ac:chgData name="Li Lixiang" userId="6104bbfcb56aea79" providerId="LiveId" clId="{5B8BCFE6-B04A-4CE8-A7E5-49E8F9D4A150}" dt="2021-05-31T20:56:18.751" v="381" actId="1076"/>
+          <ac:spMkLst>
+            <pc:docMk/>
+            <pc:sldMk cId="783728514" sldId="271"/>
+            <ac:spMk id="13" creationId="{21351388-C40B-4669-9A3C-7CEA57C3A85B}"/>
+          </ac:spMkLst>
+        </pc:spChg>
+        <pc:spChg chg="add mod">
+          <ac:chgData name="Li Lixiang" userId="6104bbfcb56aea79" providerId="LiveId" clId="{5B8BCFE6-B04A-4CE8-A7E5-49E8F9D4A150}" dt="2021-05-31T20:56:25.075" v="383" actId="1076"/>
+          <ac:spMkLst>
+            <pc:docMk/>
+            <pc:sldMk cId="783728514" sldId="271"/>
+            <ac:spMk id="14" creationId="{6A44328C-E86F-41B3-AFED-6D7EA3F6A509}"/>
+          </ac:spMkLst>
+        </pc:spChg>
+        <pc:spChg chg="add mod">
+          <ac:chgData name="Li Lixiang" userId="6104bbfcb56aea79" providerId="LiveId" clId="{5B8BCFE6-B04A-4CE8-A7E5-49E8F9D4A150}" dt="2021-05-31T20:56:31.208" v="385" actId="1076"/>
+          <ac:spMkLst>
+            <pc:docMk/>
+            <pc:sldMk cId="783728514" sldId="271"/>
+            <ac:spMk id="15" creationId="{95E058FC-93DD-4C3D-843F-93D8C3263D65}"/>
+          </ac:spMkLst>
+        </pc:spChg>
+        <pc:graphicFrameChg chg="del">
+          <ac:chgData name="Li Lixiang" userId="6104bbfcb56aea79" providerId="LiveId" clId="{5B8BCFE6-B04A-4CE8-A7E5-49E8F9D4A150}" dt="2021-05-31T20:52:06.023" v="1" actId="478"/>
+          <ac:graphicFrameMkLst>
+            <pc:docMk/>
+            <pc:sldMk cId="783728514" sldId="271"/>
+            <ac:graphicFrameMk id="6" creationId="{374DFA12-6158-4BE8-9A6C-CEF6E24771E3}"/>
+          </ac:graphicFrameMkLst>
+        </pc:graphicFrameChg>
+        <pc:graphicFrameChg chg="del">
+          <ac:chgData name="Li Lixiang" userId="6104bbfcb56aea79" providerId="LiveId" clId="{5B8BCFE6-B04A-4CE8-A7E5-49E8F9D4A150}" dt="2021-05-31T20:52:06.023" v="1" actId="478"/>
+          <ac:graphicFrameMkLst>
+            <pc:docMk/>
+            <pc:sldMk cId="783728514" sldId="271"/>
+            <ac:graphicFrameMk id="7" creationId="{2C31C464-B89D-457F-8317-34D7C44C4E28}"/>
+          </ac:graphicFrameMkLst>
+        </pc:graphicFrameChg>
+      </pc:sldChg>
+      <pc:sldChg chg="delSp modSp add mod">
+        <pc:chgData name="Li Lixiang" userId="6104bbfcb56aea79" providerId="LiveId" clId="{5B8BCFE6-B04A-4CE8-A7E5-49E8F9D4A150}" dt="2021-05-31T20:59:37.861" v="476" actId="404"/>
+        <pc:sldMkLst>
+          <pc:docMk/>
+          <pc:sldMk cId="99124880" sldId="272"/>
+        </pc:sldMkLst>
+        <pc:spChg chg="mod">
+          <ac:chgData name="Li Lixiang" userId="6104bbfcb56aea79" providerId="LiveId" clId="{5B8BCFE6-B04A-4CE8-A7E5-49E8F9D4A150}" dt="2021-05-31T20:58:44.417" v="426" actId="20577"/>
+          <ac:spMkLst>
+            <pc:docMk/>
+            <pc:sldMk cId="99124880" sldId="272"/>
+            <ac:spMk id="2" creationId="{5EC01E2D-9CFE-4D5D-8863-3BA90731F07B}"/>
+          </ac:spMkLst>
+        </pc:spChg>
+        <pc:spChg chg="del">
+          <ac:chgData name="Li Lixiang" userId="6104bbfcb56aea79" providerId="LiveId" clId="{5B8BCFE6-B04A-4CE8-A7E5-49E8F9D4A150}" dt="2021-05-31T20:58:58.183" v="430" actId="478"/>
+          <ac:spMkLst>
+            <pc:docMk/>
+            <pc:sldMk cId="99124880" sldId="272"/>
+            <ac:spMk id="12" creationId="{0A13C744-A28D-4F54-82D1-80E6827F39EB}"/>
+          </ac:spMkLst>
+        </pc:spChg>
+        <pc:spChg chg="del">
+          <ac:chgData name="Li Lixiang" userId="6104bbfcb56aea79" providerId="LiveId" clId="{5B8BCFE6-B04A-4CE8-A7E5-49E8F9D4A150}" dt="2021-05-31T20:58:56.330" v="429" actId="478"/>
+          <ac:spMkLst>
+            <pc:docMk/>
+            <pc:sldMk cId="99124880" sldId="272"/>
+            <ac:spMk id="13" creationId="{21351388-C40B-4669-9A3C-7CEA57C3A85B}"/>
+          </ac:spMkLst>
+        </pc:spChg>
+        <pc:spChg chg="del">
+          <ac:chgData name="Li Lixiang" userId="6104bbfcb56aea79" providerId="LiveId" clId="{5B8BCFE6-B04A-4CE8-A7E5-49E8F9D4A150}" dt="2021-05-31T20:58:51.943" v="427" actId="478"/>
+          <ac:spMkLst>
+            <pc:docMk/>
+            <pc:sldMk cId="99124880" sldId="272"/>
+            <ac:spMk id="14" creationId="{6A44328C-E86F-41B3-AFED-6D7EA3F6A509}"/>
+          </ac:spMkLst>
+        </pc:spChg>
+        <pc:spChg chg="del">
+          <ac:chgData name="Li Lixiang" userId="6104bbfcb56aea79" providerId="LiveId" clId="{5B8BCFE6-B04A-4CE8-A7E5-49E8F9D4A150}" dt="2021-05-31T20:58:53.899" v="428" actId="478"/>
+          <ac:spMkLst>
+            <pc:docMk/>
+            <pc:sldMk cId="99124880" sldId="272"/>
+            <ac:spMk id="15" creationId="{95E058FC-93DD-4C3D-843F-93D8C3263D65}"/>
+          </ac:spMkLst>
+        </pc:spChg>
+        <pc:graphicFrameChg chg="mod modGraphic">
+          <ac:chgData name="Li Lixiang" userId="6104bbfcb56aea79" providerId="LiveId" clId="{5B8BCFE6-B04A-4CE8-A7E5-49E8F9D4A150}" dt="2021-05-31T20:59:37.861" v="476" actId="404"/>
+          <ac:graphicFrameMkLst>
+            <pc:docMk/>
+            <pc:sldMk cId="99124880" sldId="272"/>
+            <ac:graphicFrameMk id="3" creationId="{7DA18F9D-C006-4166-B205-D7B35D668CB9}"/>
+          </ac:graphicFrameMkLst>
+        </pc:graphicFrameChg>
+      </pc:sldChg>
+      <pc:sldChg chg="delSp modSp add mod ord">
+        <pc:chgData name="Li Lixiang" userId="6104bbfcb56aea79" providerId="LiveId" clId="{5B8BCFE6-B04A-4CE8-A7E5-49E8F9D4A150}" dt="2021-05-31T21:30:00.199" v="1148" actId="20577"/>
+        <pc:sldMkLst>
+          <pc:docMk/>
+          <pc:sldMk cId="178439782" sldId="273"/>
+        </pc:sldMkLst>
+        <pc:spChg chg="mod">
+          <ac:chgData name="Li Lixiang" userId="6104bbfcb56aea79" providerId="LiveId" clId="{5B8BCFE6-B04A-4CE8-A7E5-49E8F9D4A150}" dt="2021-05-31T21:21:20.161" v="617" actId="20577"/>
+          <ac:spMkLst>
+            <pc:docMk/>
+            <pc:sldMk cId="178439782" sldId="273"/>
+            <ac:spMk id="2" creationId="{5EC01E2D-9CFE-4D5D-8863-3BA90731F07B}"/>
+          </ac:spMkLst>
+        </pc:spChg>
+        <pc:spChg chg="mod">
+          <ac:chgData name="Li Lixiang" userId="6104bbfcb56aea79" providerId="LiveId" clId="{5B8BCFE6-B04A-4CE8-A7E5-49E8F9D4A150}" dt="2021-05-31T21:30:00.199" v="1148" actId="20577"/>
+          <ac:spMkLst>
+            <pc:docMk/>
+            <pc:sldMk cId="178439782" sldId="273"/>
+            <ac:spMk id="5" creationId="{24C6C14A-404A-46CC-BBB2-888A7B4B7C1A}"/>
+          </ac:spMkLst>
+        </pc:spChg>
+        <pc:spChg chg="del">
+          <ac:chgData name="Li Lixiang" userId="6104bbfcb56aea79" providerId="LiveId" clId="{5B8BCFE6-B04A-4CE8-A7E5-49E8F9D4A150}" dt="2021-05-31T21:21:25.298" v="618" actId="478"/>
+          <ac:spMkLst>
+            <pc:docMk/>
+            <pc:sldMk cId="178439782" sldId="273"/>
+            <ac:spMk id="12" creationId="{0A13C744-A28D-4F54-82D1-80E6827F39EB}"/>
+          </ac:spMkLst>
+        </pc:spChg>
+        <pc:spChg chg="del">
+          <ac:chgData name="Li Lixiang" userId="6104bbfcb56aea79" providerId="LiveId" clId="{5B8BCFE6-B04A-4CE8-A7E5-49E8F9D4A150}" dt="2021-05-31T21:21:25.298" v="618" actId="478"/>
+          <ac:spMkLst>
+            <pc:docMk/>
+            <pc:sldMk cId="178439782" sldId="273"/>
+            <ac:spMk id="13" creationId="{21351388-C40B-4669-9A3C-7CEA57C3A85B}"/>
+          </ac:spMkLst>
+        </pc:spChg>
+        <pc:spChg chg="del">
+          <ac:chgData name="Li Lixiang" userId="6104bbfcb56aea79" providerId="LiveId" clId="{5B8BCFE6-B04A-4CE8-A7E5-49E8F9D4A150}" dt="2021-05-31T21:21:25.298" v="618" actId="478"/>
+          <ac:spMkLst>
+            <pc:docMk/>
+            <pc:sldMk cId="178439782" sldId="273"/>
+            <ac:spMk id="14" creationId="{6A44328C-E86F-41B3-AFED-6D7EA3F6A509}"/>
+          </ac:spMkLst>
+        </pc:spChg>
+        <pc:spChg chg="del">
+          <ac:chgData name="Li Lixiang" userId="6104bbfcb56aea79" providerId="LiveId" clId="{5B8BCFE6-B04A-4CE8-A7E5-49E8F9D4A150}" dt="2021-05-31T21:21:25.298" v="618" actId="478"/>
+          <ac:spMkLst>
+            <pc:docMk/>
+            <pc:sldMk cId="178439782" sldId="273"/>
+            <ac:spMk id="15" creationId="{95E058FC-93DD-4C3D-843F-93D8C3263D65}"/>
+          </ac:spMkLst>
+        </pc:spChg>
+        <pc:graphicFrameChg chg="del">
+          <ac:chgData name="Li Lixiang" userId="6104bbfcb56aea79" providerId="LiveId" clId="{5B8BCFE6-B04A-4CE8-A7E5-49E8F9D4A150}" dt="2021-05-31T21:21:25.298" v="618" actId="478"/>
+          <ac:graphicFrameMkLst>
+            <pc:docMk/>
+            <pc:sldMk cId="178439782" sldId="273"/>
+            <ac:graphicFrameMk id="3" creationId="{7DA18F9D-C006-4166-B205-D7B35D668CB9}"/>
+          </ac:graphicFrameMkLst>
+        </pc:graphicFrameChg>
+      </pc:sldChg>
+      <pc:sldChg chg="addSp modSp new mod">
+        <pc:chgData name="Li Lixiang" userId="6104bbfcb56aea79" providerId="LiveId" clId="{5B8BCFE6-B04A-4CE8-A7E5-49E8F9D4A150}" dt="2021-06-04T04:57:28.771" v="1449" actId="1076"/>
+        <pc:sldMkLst>
+          <pc:docMk/>
+          <pc:sldMk cId="3514307366" sldId="274"/>
+        </pc:sldMkLst>
+        <pc:spChg chg="mod">
+          <ac:chgData name="Li Lixiang" userId="6104bbfcb56aea79" providerId="LiveId" clId="{5B8BCFE6-B04A-4CE8-A7E5-49E8F9D4A150}" dt="2021-06-04T04:50:59.886" v="1169" actId="20577"/>
+          <ac:spMkLst>
+            <pc:docMk/>
+            <pc:sldMk cId="3514307366" sldId="274"/>
+            <ac:spMk id="2" creationId="{F57B12CA-0498-4C77-8ACD-C9A99D7B07F1}"/>
+          </ac:spMkLst>
+        </pc:spChg>
+        <pc:spChg chg="mod">
+          <ac:chgData name="Li Lixiang" userId="6104bbfcb56aea79" providerId="LiveId" clId="{5B8BCFE6-B04A-4CE8-A7E5-49E8F9D4A150}" dt="2021-06-04T04:57:23.435" v="1448" actId="14100"/>
+          <ac:spMkLst>
+            <pc:docMk/>
+            <pc:sldMk cId="3514307366" sldId="274"/>
+            <ac:spMk id="3" creationId="{211873FD-2CAE-4CE7-B6CD-855AEB5C6DCA}"/>
+          </ac:spMkLst>
+        </pc:spChg>
+        <pc:spChg chg="add mod">
+          <ac:chgData name="Li Lixiang" userId="6104bbfcb56aea79" providerId="LiveId" clId="{5B8BCFE6-B04A-4CE8-A7E5-49E8F9D4A150}" dt="2021-06-04T04:56:14.991" v="1370" actId="1076"/>
+          <ac:spMkLst>
+            <pc:docMk/>
+            <pc:sldMk cId="3514307366" sldId="274"/>
+            <ac:spMk id="4" creationId="{C613C551-DE95-4745-9303-077FBF854FEC}"/>
+          </ac:spMkLst>
+        </pc:spChg>
+        <pc:spChg chg="add mod">
+          <ac:chgData name="Li Lixiang" userId="6104bbfcb56aea79" providerId="LiveId" clId="{5B8BCFE6-B04A-4CE8-A7E5-49E8F9D4A150}" dt="2021-06-04T04:57:28.771" v="1449" actId="1076"/>
+          <ac:spMkLst>
+            <pc:docMk/>
+            <pc:sldMk cId="3514307366" sldId="274"/>
+            <ac:spMk id="5" creationId="{B9D911B8-FFFD-4F81-A996-6FC65DB1583A}"/>
+          </ac:spMkLst>
+        </pc:spChg>
+      </pc:sldChg>
     </pc:docChg>
   </pc:docChgLst>
   <pc:docChgLst>
@@ -2927,53 +3141,24 @@
     </pc:docChg>
   </pc:docChgLst>
   <pc:docChgLst>
-    <pc:chgData name="Li Lixiang" userId="6104bbfcb56aea79" providerId="LiveId" clId="{C02319E9-8A6B-4827-952D-2247EFB22BD9}"/>
-    <pc:docChg chg="custSel modSld sldOrd">
-      <pc:chgData name="Li Lixiang" userId="6104bbfcb56aea79" providerId="LiveId" clId="{C02319E9-8A6B-4827-952D-2247EFB22BD9}" dt="2021-06-28T13:25:59.267" v="191"/>
+    <pc:chgData name="Li Lixiang" userId="6104bbfcb56aea79" providerId="LiveId" clId="{72F1DD61-9CEF-4CCE-8F71-803F00A73879}"/>
+    <pc:docChg chg="modSld">
+      <pc:chgData name="Li Lixiang" userId="6104bbfcb56aea79" providerId="LiveId" clId="{72F1DD61-9CEF-4CCE-8F71-803F00A73879}" dt="2021-08-28T02:39:15.460" v="2" actId="6549"/>
       <pc:docMkLst>
         <pc:docMk/>
       </pc:docMkLst>
       <pc:sldChg chg="modSp mod">
-        <pc:chgData name="Li Lixiang" userId="6104bbfcb56aea79" providerId="LiveId" clId="{C02319E9-8A6B-4827-952D-2247EFB22BD9}" dt="2021-06-28T11:42:21.782" v="1" actId="20577"/>
+        <pc:chgData name="Li Lixiang" userId="6104bbfcb56aea79" providerId="LiveId" clId="{72F1DD61-9CEF-4CCE-8F71-803F00A73879}" dt="2021-08-28T02:39:15.460" v="2" actId="6549"/>
         <pc:sldMkLst>
           <pc:docMk/>
           <pc:sldMk cId="3650079851" sldId="256"/>
         </pc:sldMkLst>
         <pc:spChg chg="mod">
-          <ac:chgData name="Li Lixiang" userId="6104bbfcb56aea79" providerId="LiveId" clId="{C02319E9-8A6B-4827-952D-2247EFB22BD9}" dt="2021-06-28T11:42:21.782" v="1" actId="20577"/>
+          <ac:chgData name="Li Lixiang" userId="6104bbfcb56aea79" providerId="LiveId" clId="{72F1DD61-9CEF-4CCE-8F71-803F00A73879}" dt="2021-08-28T02:39:15.460" v="2" actId="6549"/>
           <ac:spMkLst>
             <pc:docMk/>
             <pc:sldMk cId="3650079851" sldId="256"/>
             <ac:spMk id="4" creationId="{8DE6899A-D842-4C9E-ADC1-B0C1377122EA}"/>
-          </ac:spMkLst>
-        </pc:spChg>
-      </pc:sldChg>
-      <pc:sldChg chg="ord">
-        <pc:chgData name="Li Lixiang" userId="6104bbfcb56aea79" providerId="LiveId" clId="{C02319E9-8A6B-4827-952D-2247EFB22BD9}" dt="2021-06-28T13:25:59.267" v="191"/>
-        <pc:sldMkLst>
-          <pc:docMk/>
-          <pc:sldMk cId="753221471" sldId="264"/>
-        </pc:sldMkLst>
-      </pc:sldChg>
-      <pc:sldChg chg="ord">
-        <pc:chgData name="Li Lixiang" userId="6104bbfcb56aea79" providerId="LiveId" clId="{C02319E9-8A6B-4827-952D-2247EFB22BD9}" dt="2021-06-28T13:25:59.267" v="191"/>
-        <pc:sldMkLst>
-          <pc:docMk/>
-          <pc:sldMk cId="451125618" sldId="265"/>
-        </pc:sldMkLst>
-      </pc:sldChg>
-      <pc:sldChg chg="modSp mod">
-        <pc:chgData name="Li Lixiang" userId="6104bbfcb56aea79" providerId="LiveId" clId="{C02319E9-8A6B-4827-952D-2247EFB22BD9}" dt="2021-06-28T12:51:00.341" v="187" actId="20577"/>
-        <pc:sldMkLst>
-          <pc:docMk/>
-          <pc:sldMk cId="99124880" sldId="272"/>
-        </pc:sldMkLst>
-        <pc:spChg chg="mod">
-          <ac:chgData name="Li Lixiang" userId="6104bbfcb56aea79" providerId="LiveId" clId="{C02319E9-8A6B-4827-952D-2247EFB22BD9}" dt="2021-06-28T12:51:00.341" v="187" actId="20577"/>
-          <ac:spMkLst>
-            <pc:docMk/>
-            <pc:sldMk cId="99124880" sldId="272"/>
-            <ac:spMk id="5" creationId="{24C6C14A-404A-46CC-BBB2-888A7B4B7C1A}"/>
           </ac:spMkLst>
         </pc:spChg>
       </pc:sldChg>
@@ -3212,7 +3397,7 @@
             <a:fld id="{B61BEF0D-F0BB-DE4B-95CE-6DB70DBA9567}" type="datetimeFigureOut">
               <a:rPr lang="en-US" dirty="0"/>
               <a:pPr/>
-              <a:t>8/28/2021</a:t>
+              <a:t>12/26/2021</a:t>
             </a:fld>
             <a:endParaRPr lang="en-US" dirty="0"/>
           </a:p>
@@ -3543,7 +3728,7 @@
             <a:fld id="{B61BEF0D-F0BB-DE4B-95CE-6DB70DBA9567}" type="datetimeFigureOut">
               <a:rPr lang="en-US" dirty="0"/>
               <a:pPr/>
-              <a:t>8/28/2021</a:t>
+              <a:t>12/26/2021</a:t>
             </a:fld>
             <a:endParaRPr lang="en-US" dirty="0"/>
           </a:p>
@@ -3818,7 +4003,7 @@
             <a:fld id="{B61BEF0D-F0BB-DE4B-95CE-6DB70DBA9567}" type="datetimeFigureOut">
               <a:rPr lang="en-US" dirty="0"/>
               <a:pPr/>
-              <a:t>8/28/2021</a:t>
+              <a:t>12/26/2021</a:t>
             </a:fld>
             <a:endParaRPr lang="en-US" dirty="0"/>
           </a:p>
@@ -4383,7 +4568,7 @@
             <a:fld id="{B61BEF0D-F0BB-DE4B-95CE-6DB70DBA9567}" type="datetimeFigureOut">
               <a:rPr lang="en-US" dirty="0"/>
               <a:pPr/>
-              <a:t>8/28/2021</a:t>
+              <a:t>12/26/2021</a:t>
             </a:fld>
             <a:endParaRPr lang="en-US" dirty="0"/>
           </a:p>
@@ -4658,7 +4843,7 @@
             <a:fld id="{B61BEF0D-F0BB-DE4B-95CE-6DB70DBA9567}" type="datetimeFigureOut">
               <a:rPr lang="en-US" dirty="0"/>
               <a:pPr/>
-              <a:t>8/28/2021</a:t>
+              <a:t>12/26/2021</a:t>
             </a:fld>
             <a:endParaRPr lang="en-US" dirty="0"/>
           </a:p>
@@ -5217,7 +5402,7 @@
             <a:fld id="{B61BEF0D-F0BB-DE4B-95CE-6DB70DBA9567}" type="datetimeFigureOut">
               <a:rPr lang="en-US" dirty="0"/>
               <a:pPr/>
-              <a:t>8/28/2021</a:t>
+              <a:t>12/26/2021</a:t>
             </a:fld>
             <a:endParaRPr lang="en-US" dirty="0"/>
           </a:p>
@@ -5541,7 +5726,7 @@
             <a:fld id="{B61BEF0D-F0BB-DE4B-95CE-6DB70DBA9567}" type="datetimeFigureOut">
               <a:rPr lang="en-US" dirty="0"/>
               <a:pPr/>
-              <a:t>8/28/2021</a:t>
+              <a:t>12/26/2021</a:t>
             </a:fld>
             <a:endParaRPr lang="en-US" dirty="0"/>
           </a:p>
@@ -5715,7 +5900,7 @@
             <a:fld id="{B61BEF0D-F0BB-DE4B-95CE-6DB70DBA9567}" type="datetimeFigureOut">
               <a:rPr lang="en-US" dirty="0"/>
               <a:pPr/>
-              <a:t>8/28/2021</a:t>
+              <a:t>12/26/2021</a:t>
             </a:fld>
             <a:endParaRPr lang="en-US" dirty="0"/>
           </a:p>
@@ -5950,7 +6135,7 @@
             <a:fld id="{B61BEF0D-F0BB-DE4B-95CE-6DB70DBA9567}" type="datetimeFigureOut">
               <a:rPr lang="en-US" dirty="0"/>
               <a:pPr/>
-              <a:t>8/28/2021</a:t>
+              <a:t>12/26/2021</a:t>
             </a:fld>
             <a:endParaRPr lang="en-US" dirty="0"/>
           </a:p>
@@ -6147,7 +6332,7 @@
             <a:fld id="{B61BEF0D-F0BB-DE4B-95CE-6DB70DBA9567}" type="datetimeFigureOut">
               <a:rPr lang="en-US" dirty="0"/>
               <a:pPr/>
-              <a:t>8/28/2021</a:t>
+              <a:t>12/26/2021</a:t>
             </a:fld>
             <a:endParaRPr lang="en-US" dirty="0"/>
           </a:p>
@@ -6420,7 +6605,7 @@
             <a:fld id="{B61BEF0D-F0BB-DE4B-95CE-6DB70DBA9567}" type="datetimeFigureOut">
               <a:rPr lang="en-US" dirty="0"/>
               <a:pPr/>
-              <a:t>8/28/2021</a:t>
+              <a:t>12/26/2021</a:t>
             </a:fld>
             <a:endParaRPr lang="en-US" dirty="0"/>
           </a:p>
@@ -6683,7 +6868,7 @@
             <a:fld id="{B61BEF0D-F0BB-DE4B-95CE-6DB70DBA9567}" type="datetimeFigureOut">
               <a:rPr lang="en-US" dirty="0"/>
               <a:pPr/>
-              <a:t>8/28/2021</a:t>
+              <a:t>12/26/2021</a:t>
             </a:fld>
             <a:endParaRPr lang="en-US" dirty="0"/>
           </a:p>
@@ -7054,7 +7239,7 @@
             <a:fld id="{B61BEF0D-F0BB-DE4B-95CE-6DB70DBA9567}" type="datetimeFigureOut">
               <a:rPr lang="en-US" dirty="0"/>
               <a:pPr/>
-              <a:t>8/28/2021</a:t>
+              <a:t>12/26/2021</a:t>
             </a:fld>
             <a:endParaRPr lang="en-US" dirty="0"/>
           </a:p>
@@ -7199,7 +7384,7 @@
             <a:fld id="{B61BEF0D-F0BB-DE4B-95CE-6DB70DBA9567}" type="datetimeFigureOut">
               <a:rPr lang="en-US" dirty="0"/>
               <a:pPr/>
-              <a:t>8/28/2021</a:t>
+              <a:t>12/26/2021</a:t>
             </a:fld>
             <a:endParaRPr lang="en-US" dirty="0"/>
           </a:p>
@@ -7321,7 +7506,7 @@
             <a:fld id="{B61BEF0D-F0BB-DE4B-95CE-6DB70DBA9567}" type="datetimeFigureOut">
               <a:rPr lang="en-US" dirty="0"/>
               <a:pPr/>
-              <a:t>8/28/2021</a:t>
+              <a:t>12/26/2021</a:t>
             </a:fld>
             <a:endParaRPr lang="en-US" dirty="0"/>
           </a:p>
@@ -7603,7 +7788,7 @@
             <a:fld id="{B61BEF0D-F0BB-DE4B-95CE-6DB70DBA9567}" type="datetimeFigureOut">
               <a:rPr lang="en-US" dirty="0"/>
               <a:pPr/>
-              <a:t>8/28/2021</a:t>
+              <a:t>12/26/2021</a:t>
             </a:fld>
             <a:endParaRPr lang="en-US" dirty="0"/>
           </a:p>
@@ -7924,7 +8109,7 @@
             <a:fld id="{B61BEF0D-F0BB-DE4B-95CE-6DB70DBA9567}" type="datetimeFigureOut">
               <a:rPr lang="en-US" dirty="0"/>
               <a:pPr/>
-              <a:t>8/28/2021</a:t>
+              <a:t>12/26/2021</a:t>
             </a:fld>
             <a:endParaRPr lang="en-US" dirty="0"/>
           </a:p>
@@ -8135,7 +8320,7 @@
             <a:fld id="{B61BEF0D-F0BB-DE4B-95CE-6DB70DBA9567}" type="datetimeFigureOut">
               <a:rPr lang="en-US" dirty="0"/>
               <a:pPr/>
-              <a:t>8/28/2021</a:t>
+              <a:t>12/26/2021</a:t>
             </a:fld>
             <a:endParaRPr lang="en-US" dirty="0"/>
           </a:p>
@@ -8714,113 +8899,7 @@
 </p:sld>
 </file>
 
-<file path=ppt/slides/slide2.xml><?xml version="1.0" encoding="utf-8"?>
-<p:sld xmlns:a="http://schemas.openxmlformats.org/drawingml/2006/main" xmlns:r="http://schemas.openxmlformats.org/officeDocument/2006/relationships" xmlns:p="http://schemas.openxmlformats.org/presentationml/2006/main">
-  <p:cSld>
-    <p:spTree>
-      <p:nvGrpSpPr>
-        <p:cNvPr id="1" name=""/>
-        <p:cNvGrpSpPr/>
-        <p:nvPr/>
-      </p:nvGrpSpPr>
-      <p:grpSpPr>
-        <a:xfrm>
-          <a:off x="0" y="0"/>
-          <a:ext cx="0" cy="0"/>
-          <a:chOff x="0" y="0"/>
-          <a:chExt cx="0" cy="0"/>
-        </a:xfrm>
-      </p:grpSpPr>
-      <p:sp>
-        <p:nvSpPr>
-          <p:cNvPr id="2" name="标题 1">
-            <a:extLst>
-              <a:ext uri="{FF2B5EF4-FFF2-40B4-BE49-F238E27FC236}">
-                <a16:creationId xmlns:a16="http://schemas.microsoft.com/office/drawing/2014/main" id="{AFD5830E-5CE7-4FE5-9D60-0BE3A2A2D315}"/>
-              </a:ext>
-            </a:extLst>
-          </p:cNvPr>
-          <p:cNvSpPr>
-            <a:spLocks noGrp="1"/>
-          </p:cNvSpPr>
-          <p:nvPr>
-            <p:ph type="title"/>
-          </p:nvPr>
-        </p:nvSpPr>
-        <p:spPr/>
-        <p:txBody>
-          <a:bodyPr/>
-          <a:lstStyle/>
-          <a:p>
-            <a:r>
-              <a:rPr lang="en-US" dirty="0"/>
-              <a:t>Hangman game</a:t>
-            </a:r>
-            <a:endParaRPr lang="en-MY" dirty="0"/>
-          </a:p>
-        </p:txBody>
-      </p:sp>
-      <p:sp>
-        <p:nvSpPr>
-          <p:cNvPr id="3" name="内容占位符 2">
-            <a:extLst>
-              <a:ext uri="{FF2B5EF4-FFF2-40B4-BE49-F238E27FC236}">
-                <a16:creationId xmlns:a16="http://schemas.microsoft.com/office/drawing/2014/main" id="{565849A6-BD79-4075-97FF-2729875645FE}"/>
-              </a:ext>
-            </a:extLst>
-          </p:cNvPr>
-          <p:cNvSpPr>
-            <a:spLocks noGrp="1"/>
-          </p:cNvSpPr>
-          <p:nvPr>
-            <p:ph idx="1"/>
-          </p:nvPr>
-        </p:nvSpPr>
-        <p:spPr/>
-        <p:txBody>
-          <a:bodyPr/>
-          <a:lstStyle/>
-          <a:p>
-            <a:r>
-              <a:rPr lang="en-US" dirty="0"/>
-              <a:t>A hangman game: guess letter of a secret word. If guess wrong then hangman will have more body parts hanged.</a:t>
-            </a:r>
-          </a:p>
-          <a:p>
-            <a:r>
-              <a:rPr lang="en-US" dirty="0"/>
-              <a:t>If guess all the secret words, hangman still have some body parts not hang, win</a:t>
-            </a:r>
-          </a:p>
-          <a:p>
-            <a:r>
-              <a:rPr lang="en-US" dirty="0"/>
-              <a:t>If hangman all body parts hanged, lose.</a:t>
-            </a:r>
-          </a:p>
-          <a:p>
-            <a:r>
-              <a:rPr lang="en-US" dirty="0"/>
-              <a:t>Use class knowledge learned.</a:t>
-            </a:r>
-            <a:endParaRPr lang="en-MY" dirty="0"/>
-          </a:p>
-        </p:txBody>
-      </p:sp>
-    </p:spTree>
-    <p:extLst>
-      <p:ext uri="{BB962C8B-B14F-4D97-AF65-F5344CB8AC3E}">
-        <p14:creationId xmlns:p14="http://schemas.microsoft.com/office/powerpoint/2010/main" val="753221471"/>
-      </p:ext>
-    </p:extLst>
-  </p:cSld>
-  <p:clrMapOvr>
-    <a:masterClrMapping/>
-  </p:clrMapOvr>
-</p:sld>
-</file>
-
-<file path=ppt/slides/slide3.xml><?xml version="1.0" encoding="utf-8"?>
+<file path=ppt/slides/slide10.xml><?xml version="1.0" encoding="utf-8"?>
 <p:sld xmlns:a="http://schemas.openxmlformats.org/drawingml/2006/main" xmlns:r="http://schemas.openxmlformats.org/officeDocument/2006/relationships" xmlns:p="http://schemas.openxmlformats.org/presentationml/2006/main">
   <p:cSld>
     <p:spTree>
@@ -10539,7 +10618,7 @@
 </p:sld>
 </file>
 
-<file path=ppt/slides/slide4.xml><?xml version="1.0" encoding="utf-8"?>
+<file path=ppt/slides/slide11.xml><?xml version="1.0" encoding="utf-8"?>
 <p:sld xmlns:a="http://schemas.openxmlformats.org/drawingml/2006/main" xmlns:r="http://schemas.openxmlformats.org/officeDocument/2006/relationships" xmlns:p="http://schemas.openxmlformats.org/presentationml/2006/main">
   <p:cSld>
     <p:spTree>
@@ -12140,7 +12219,7 @@
 </p:sld>
 </file>
 
-<file path=ppt/slides/slide5.xml><?xml version="1.0" encoding="utf-8"?>
+<file path=ppt/slides/slide12.xml><?xml version="1.0" encoding="utf-8"?>
 <p:sld xmlns:a="http://schemas.openxmlformats.org/drawingml/2006/main" xmlns:r="http://schemas.openxmlformats.org/officeDocument/2006/relationships" xmlns:p="http://schemas.openxmlformats.org/presentationml/2006/main">
   <p:cSld>
     <p:spTree>
@@ -12451,7 +12530,7 @@
 </p:sld>
 </file>
 
-<file path=ppt/slides/slide6.xml><?xml version="1.0" encoding="utf-8"?>
+<file path=ppt/slides/slide13.xml><?xml version="1.0" encoding="utf-8"?>
 <p:sld xmlns:a="http://schemas.openxmlformats.org/drawingml/2006/main" xmlns:r="http://schemas.openxmlformats.org/officeDocument/2006/relationships" xmlns:p="http://schemas.openxmlformats.org/presentationml/2006/main">
   <p:cSld>
     <p:spTree>
@@ -12782,7 +12861,7 @@
 </p:sld>
 </file>
 
-<file path=ppt/slides/slide7.xml><?xml version="1.0" encoding="utf-8"?>
+<file path=ppt/slides/slide14.xml><?xml version="1.0" encoding="utf-8"?>
 <p:sld xmlns:a="http://schemas.openxmlformats.org/drawingml/2006/main" xmlns:r="http://schemas.openxmlformats.org/officeDocument/2006/relationships" xmlns:p="http://schemas.openxmlformats.org/presentationml/2006/main">
   <p:cSld>
     <p:spTree>
@@ -13086,7 +13165,7 @@
 </p:sld>
 </file>
 
-<file path=ppt/slides/slide8.xml><?xml version="1.0" encoding="utf-8"?>
+<file path=ppt/slides/slide15.xml><?xml version="1.0" encoding="utf-8"?>
 <p:sld xmlns:a="http://schemas.openxmlformats.org/drawingml/2006/main" xmlns:r="http://schemas.openxmlformats.org/officeDocument/2006/relationships" xmlns:p="http://schemas.openxmlformats.org/presentationml/2006/main">
   <p:cSld>
     <p:spTree>
@@ -13710,6 +13789,1388 @@
 </p:sld>
 </file>
 
+<file path=ppt/slides/slide2.xml><?xml version="1.0" encoding="utf-8"?>
+<p:sld xmlns:a="http://schemas.openxmlformats.org/drawingml/2006/main" xmlns:r="http://schemas.openxmlformats.org/officeDocument/2006/relationships" xmlns:p="http://schemas.openxmlformats.org/presentationml/2006/main">
+  <p:cSld>
+    <p:spTree>
+      <p:nvGrpSpPr>
+        <p:cNvPr id="1" name=""/>
+        <p:cNvGrpSpPr/>
+        <p:nvPr/>
+      </p:nvGrpSpPr>
+      <p:grpSpPr>
+        <a:xfrm>
+          <a:off x="0" y="0"/>
+          <a:ext cx="0" cy="0"/>
+          <a:chOff x="0" y="0"/>
+          <a:chExt cx="0" cy="0"/>
+        </a:xfrm>
+      </p:grpSpPr>
+      <p:sp>
+        <p:nvSpPr>
+          <p:cNvPr id="2" name="Title 1">
+            <a:extLst>
+              <a:ext uri="{FF2B5EF4-FFF2-40B4-BE49-F238E27FC236}">
+                <a16:creationId xmlns:a16="http://schemas.microsoft.com/office/drawing/2014/main" id="{41BF6E9F-1C37-4DE8-A507-E72199CF0AA1}"/>
+              </a:ext>
+            </a:extLst>
+          </p:cNvPr>
+          <p:cNvSpPr>
+            <a:spLocks noGrp="1"/>
+          </p:cNvSpPr>
+          <p:nvPr>
+            <p:ph type="title"/>
+          </p:nvPr>
+        </p:nvSpPr>
+        <p:spPr/>
+        <p:txBody>
+          <a:bodyPr/>
+          <a:lstStyle/>
+          <a:p>
+            <a:r>
+              <a:rPr lang="en-US" dirty="0"/>
+              <a:t>Class practice</a:t>
+            </a:r>
+            <a:endParaRPr lang="en-MY" dirty="0"/>
+          </a:p>
+        </p:txBody>
+      </p:sp>
+      <p:sp>
+        <p:nvSpPr>
+          <p:cNvPr id="3" name="Content Placeholder 2">
+            <a:extLst>
+              <a:ext uri="{FF2B5EF4-FFF2-40B4-BE49-F238E27FC236}">
+                <a16:creationId xmlns:a16="http://schemas.microsoft.com/office/drawing/2014/main" id="{3DB64EB4-3381-4E76-8DB9-1C9824F17E70}"/>
+              </a:ext>
+            </a:extLst>
+          </p:cNvPr>
+          <p:cNvSpPr>
+            <a:spLocks noGrp="1"/>
+          </p:cNvSpPr>
+          <p:nvPr>
+            <p:ph idx="1"/>
+          </p:nvPr>
+        </p:nvSpPr>
+        <p:spPr/>
+        <p:txBody>
+          <a:bodyPr/>
+          <a:lstStyle/>
+          <a:p>
+            <a:r>
+              <a:rPr lang="en-US" dirty="0"/>
+              <a:t>Create one class ‘Vehicle’, with no any attributes and methods.</a:t>
+            </a:r>
+          </a:p>
+          <a:p>
+            <a:endParaRPr lang="en-US" dirty="0"/>
+          </a:p>
+          <a:p>
+            <a:endParaRPr lang="en-US" dirty="0"/>
+          </a:p>
+          <a:p>
+            <a:endParaRPr lang="en-MY" dirty="0"/>
+          </a:p>
+          <a:p>
+            <a:endParaRPr lang="en-MY" dirty="0"/>
+          </a:p>
+          <a:p>
+            <a:r>
+              <a:rPr lang="en-MY" dirty="0"/>
+              <a:t>Add __</a:t>
+            </a:r>
+            <a:r>
+              <a:rPr lang="en-MY" dirty="0" err="1"/>
+              <a:t>init</a:t>
+            </a:r>
+            <a:r>
+              <a:rPr lang="en-MY" dirty="0"/>
+              <a:t>__ function. Add instance attributes: </a:t>
+            </a:r>
+            <a:r>
+              <a:rPr lang="en-MY" dirty="0" err="1"/>
+              <a:t>max_speed</a:t>
+            </a:r>
+            <a:r>
+              <a:rPr lang="en-MY" dirty="0"/>
+              <a:t>, mileage</a:t>
+            </a:r>
+          </a:p>
+        </p:txBody>
+      </p:sp>
+    </p:spTree>
+    <p:extLst>
+      <p:ext uri="{BB962C8B-B14F-4D97-AF65-F5344CB8AC3E}">
+        <p14:creationId xmlns:p14="http://schemas.microsoft.com/office/powerpoint/2010/main" val="2211766952"/>
+      </p:ext>
+    </p:extLst>
+  </p:cSld>
+  <p:clrMapOvr>
+    <a:masterClrMapping/>
+  </p:clrMapOvr>
+</p:sld>
+</file>
+
+<file path=ppt/slides/slide3.xml><?xml version="1.0" encoding="utf-8"?>
+<p:sld xmlns:a="http://schemas.openxmlformats.org/drawingml/2006/main" xmlns:r="http://schemas.openxmlformats.org/officeDocument/2006/relationships" xmlns:p="http://schemas.openxmlformats.org/presentationml/2006/main">
+  <p:cSld>
+    <p:spTree>
+      <p:nvGrpSpPr>
+        <p:cNvPr id="1" name=""/>
+        <p:cNvGrpSpPr/>
+        <p:nvPr/>
+      </p:nvGrpSpPr>
+      <p:grpSpPr>
+        <a:xfrm>
+          <a:off x="0" y="0"/>
+          <a:ext cx="0" cy="0"/>
+          <a:chOff x="0" y="0"/>
+          <a:chExt cx="0" cy="0"/>
+        </a:xfrm>
+      </p:grpSpPr>
+      <p:sp>
+        <p:nvSpPr>
+          <p:cNvPr id="2" name="Title 1">
+            <a:extLst>
+              <a:ext uri="{FF2B5EF4-FFF2-40B4-BE49-F238E27FC236}">
+                <a16:creationId xmlns:a16="http://schemas.microsoft.com/office/drawing/2014/main" id="{41BF6E9F-1C37-4DE8-A507-E72199CF0AA1}"/>
+              </a:ext>
+            </a:extLst>
+          </p:cNvPr>
+          <p:cNvSpPr>
+            <a:spLocks noGrp="1"/>
+          </p:cNvSpPr>
+          <p:nvPr>
+            <p:ph type="title"/>
+          </p:nvPr>
+        </p:nvSpPr>
+        <p:spPr/>
+        <p:txBody>
+          <a:bodyPr/>
+          <a:lstStyle/>
+          <a:p>
+            <a:r>
+              <a:rPr lang="en-US" dirty="0"/>
+              <a:t>Class practice</a:t>
+            </a:r>
+            <a:endParaRPr lang="en-MY" dirty="0"/>
+          </a:p>
+        </p:txBody>
+      </p:sp>
+      <p:sp>
+        <p:nvSpPr>
+          <p:cNvPr id="3" name="Content Placeholder 2">
+            <a:extLst>
+              <a:ext uri="{FF2B5EF4-FFF2-40B4-BE49-F238E27FC236}">
+                <a16:creationId xmlns:a16="http://schemas.microsoft.com/office/drawing/2014/main" id="{3DB64EB4-3381-4E76-8DB9-1C9824F17E70}"/>
+              </a:ext>
+            </a:extLst>
+          </p:cNvPr>
+          <p:cNvSpPr>
+            <a:spLocks noGrp="1"/>
+          </p:cNvSpPr>
+          <p:nvPr>
+            <p:ph idx="1"/>
+          </p:nvPr>
+        </p:nvSpPr>
+        <p:spPr>
+          <a:xfrm>
+            <a:off x="685801" y="2142067"/>
+            <a:ext cx="10131425" cy="4375274"/>
+          </a:xfrm>
+        </p:spPr>
+        <p:txBody>
+          <a:bodyPr/>
+          <a:lstStyle/>
+          <a:p>
+            <a:r>
+              <a:rPr lang="en-US" dirty="0">
+                <a:solidFill>
+                  <a:schemeClr val="tx1">
+                    <a:lumMod val="65000"/>
+                  </a:schemeClr>
+                </a:solidFill>
+              </a:rPr>
+              <a:t>Create one class ‘Vehicle’, with no any attributes and methods.</a:t>
+            </a:r>
+          </a:p>
+          <a:p>
+            <a:endParaRPr lang="en-US" dirty="0">
+              <a:solidFill>
+                <a:schemeClr val="tx1">
+                  <a:lumMod val="65000"/>
+                </a:schemeClr>
+              </a:solidFill>
+            </a:endParaRPr>
+          </a:p>
+          <a:p>
+            <a:endParaRPr lang="en-US" dirty="0">
+              <a:solidFill>
+                <a:schemeClr val="tx1">
+                  <a:lumMod val="65000"/>
+                </a:schemeClr>
+              </a:solidFill>
+            </a:endParaRPr>
+          </a:p>
+          <a:p>
+            <a:endParaRPr lang="en-MY" dirty="0">
+              <a:solidFill>
+                <a:schemeClr val="tx1">
+                  <a:lumMod val="65000"/>
+                </a:schemeClr>
+              </a:solidFill>
+            </a:endParaRPr>
+          </a:p>
+          <a:p>
+            <a:r>
+              <a:rPr lang="en-MY" dirty="0">
+                <a:solidFill>
+                  <a:schemeClr val="tx1">
+                    <a:lumMod val="65000"/>
+                  </a:schemeClr>
+                </a:solidFill>
+              </a:rPr>
+              <a:t>Add __</a:t>
+            </a:r>
+            <a:r>
+              <a:rPr lang="en-MY" dirty="0" err="1">
+                <a:solidFill>
+                  <a:schemeClr val="tx1">
+                    <a:lumMod val="65000"/>
+                  </a:schemeClr>
+                </a:solidFill>
+              </a:rPr>
+              <a:t>init</a:t>
+            </a:r>
+            <a:r>
+              <a:rPr lang="en-MY" dirty="0">
+                <a:solidFill>
+                  <a:schemeClr val="tx1">
+                    <a:lumMod val="65000"/>
+                  </a:schemeClr>
+                </a:solidFill>
+              </a:rPr>
+              <a:t>__ function. Add instance attributes: </a:t>
+            </a:r>
+            <a:r>
+              <a:rPr lang="en-MY" dirty="0" err="1">
+                <a:solidFill>
+                  <a:schemeClr val="tx1">
+                    <a:lumMod val="65000"/>
+                  </a:schemeClr>
+                </a:solidFill>
+              </a:rPr>
+              <a:t>max_speed</a:t>
+            </a:r>
+            <a:r>
+              <a:rPr lang="en-MY" dirty="0">
+                <a:solidFill>
+                  <a:schemeClr val="tx1">
+                    <a:lumMod val="65000"/>
+                  </a:schemeClr>
+                </a:solidFill>
+              </a:rPr>
+              <a:t>, mileage</a:t>
+            </a:r>
+          </a:p>
+          <a:p>
+            <a:endParaRPr lang="en-MY" dirty="0"/>
+          </a:p>
+          <a:p>
+            <a:endParaRPr lang="en-MY" dirty="0"/>
+          </a:p>
+          <a:p>
+            <a:endParaRPr lang="en-MY" dirty="0"/>
+          </a:p>
+          <a:p>
+            <a:r>
+              <a:rPr lang="en-MY" dirty="0"/>
+              <a:t>Add attributes: </a:t>
+            </a:r>
+            <a:r>
+              <a:rPr lang="en-MY" dirty="0" err="1"/>
+              <a:t>current_speed</a:t>
+            </a:r>
+            <a:r>
+              <a:rPr lang="en-MY" dirty="0"/>
+              <a:t>. Add methods: accelerate(), </a:t>
+            </a:r>
+            <a:r>
+              <a:rPr lang="en-MY" dirty="0" err="1"/>
+              <a:t>reduce_speed</a:t>
+            </a:r>
+            <a:r>
+              <a:rPr lang="en-MY" dirty="0"/>
+              <a:t>()</a:t>
+            </a:r>
+          </a:p>
+        </p:txBody>
+      </p:sp>
+    </p:spTree>
+    <p:extLst>
+      <p:ext uri="{BB962C8B-B14F-4D97-AF65-F5344CB8AC3E}">
+        <p14:creationId xmlns:p14="http://schemas.microsoft.com/office/powerpoint/2010/main" val="987004088"/>
+      </p:ext>
+    </p:extLst>
+  </p:cSld>
+  <p:clrMapOvr>
+    <a:masterClrMapping/>
+  </p:clrMapOvr>
+</p:sld>
+</file>
+
+<file path=ppt/slides/slide4.xml><?xml version="1.0" encoding="utf-8"?>
+<p:sld xmlns:a="http://schemas.openxmlformats.org/drawingml/2006/main" xmlns:r="http://schemas.openxmlformats.org/officeDocument/2006/relationships" xmlns:p="http://schemas.openxmlformats.org/presentationml/2006/main">
+  <p:cSld>
+    <p:spTree>
+      <p:nvGrpSpPr>
+        <p:cNvPr id="1" name=""/>
+        <p:cNvGrpSpPr/>
+        <p:nvPr/>
+      </p:nvGrpSpPr>
+      <p:grpSpPr>
+        <a:xfrm>
+          <a:off x="0" y="0"/>
+          <a:ext cx="0" cy="0"/>
+          <a:chOff x="0" y="0"/>
+          <a:chExt cx="0" cy="0"/>
+        </a:xfrm>
+      </p:grpSpPr>
+      <p:sp>
+        <p:nvSpPr>
+          <p:cNvPr id="2" name="Title 1">
+            <a:extLst>
+              <a:ext uri="{FF2B5EF4-FFF2-40B4-BE49-F238E27FC236}">
+                <a16:creationId xmlns:a16="http://schemas.microsoft.com/office/drawing/2014/main" id="{41BF6E9F-1C37-4DE8-A507-E72199CF0AA1}"/>
+              </a:ext>
+            </a:extLst>
+          </p:cNvPr>
+          <p:cNvSpPr>
+            <a:spLocks noGrp="1"/>
+          </p:cNvSpPr>
+          <p:nvPr>
+            <p:ph type="title"/>
+          </p:nvPr>
+        </p:nvSpPr>
+        <p:spPr/>
+        <p:txBody>
+          <a:bodyPr/>
+          <a:lstStyle/>
+          <a:p>
+            <a:r>
+              <a:rPr lang="en-US" dirty="0"/>
+              <a:t>Class practice</a:t>
+            </a:r>
+            <a:endParaRPr lang="en-MY" dirty="0"/>
+          </a:p>
+        </p:txBody>
+      </p:sp>
+      <p:sp>
+        <p:nvSpPr>
+          <p:cNvPr id="3" name="Content Placeholder 2">
+            <a:extLst>
+              <a:ext uri="{FF2B5EF4-FFF2-40B4-BE49-F238E27FC236}">
+                <a16:creationId xmlns:a16="http://schemas.microsoft.com/office/drawing/2014/main" id="{3DB64EB4-3381-4E76-8DB9-1C9824F17E70}"/>
+              </a:ext>
+            </a:extLst>
+          </p:cNvPr>
+          <p:cNvSpPr>
+            <a:spLocks noGrp="1"/>
+          </p:cNvSpPr>
+          <p:nvPr>
+            <p:ph idx="1"/>
+          </p:nvPr>
+        </p:nvSpPr>
+        <p:spPr>
+          <a:xfrm>
+            <a:off x="685801" y="2142067"/>
+            <a:ext cx="10131425" cy="4375274"/>
+          </a:xfrm>
+        </p:spPr>
+        <p:txBody>
+          <a:bodyPr/>
+          <a:lstStyle/>
+          <a:p>
+            <a:r>
+              <a:rPr lang="en-US" dirty="0"/>
+              <a:t>Sub-class from Vehicle, make one new class Bus.</a:t>
+            </a:r>
+          </a:p>
+          <a:p>
+            <a:endParaRPr lang="en-US" dirty="0"/>
+          </a:p>
+          <a:p>
+            <a:endParaRPr lang="en-US" dirty="0"/>
+          </a:p>
+          <a:p>
+            <a:endParaRPr lang="en-MY" dirty="0"/>
+          </a:p>
+          <a:p>
+            <a:r>
+              <a:rPr lang="en-MY" dirty="0"/>
+              <a:t>Add one new attributes of Bus: </a:t>
+            </a:r>
+            <a:r>
+              <a:rPr lang="en-MY" dirty="0" err="1"/>
+              <a:t>seat_capacity</a:t>
+            </a:r>
+            <a:endParaRPr lang="en-MY" dirty="0"/>
+          </a:p>
+          <a:p>
+            <a:endParaRPr lang="en-MY" dirty="0"/>
+          </a:p>
+          <a:p>
+            <a:endParaRPr lang="en-MY" dirty="0"/>
+          </a:p>
+          <a:p>
+            <a:endParaRPr lang="en-MY" dirty="0"/>
+          </a:p>
+          <a:p>
+            <a:r>
+              <a:rPr lang="en-MY" dirty="0"/>
+              <a:t>Add attributes: </a:t>
+            </a:r>
+            <a:r>
+              <a:rPr lang="en-MY" dirty="0" err="1"/>
+              <a:t>current_occupied_seats</a:t>
+            </a:r>
+            <a:r>
+              <a:rPr lang="en-MY" dirty="0"/>
+              <a:t>, add methods: </a:t>
+            </a:r>
+            <a:r>
+              <a:rPr lang="en-MY" dirty="0" err="1"/>
+              <a:t>passenger_in</a:t>
+            </a:r>
+            <a:r>
+              <a:rPr lang="en-MY" dirty="0"/>
+              <a:t>(), </a:t>
+            </a:r>
+            <a:r>
+              <a:rPr lang="en-MY" dirty="0" err="1"/>
+              <a:t>passenger_out</a:t>
+            </a:r>
+            <a:r>
+              <a:rPr lang="en-MY" dirty="0"/>
+              <a:t>()</a:t>
+            </a:r>
+          </a:p>
+        </p:txBody>
+      </p:sp>
+    </p:spTree>
+    <p:extLst>
+      <p:ext uri="{BB962C8B-B14F-4D97-AF65-F5344CB8AC3E}">
+        <p14:creationId xmlns:p14="http://schemas.microsoft.com/office/powerpoint/2010/main" val="2199169625"/>
+      </p:ext>
+    </p:extLst>
+  </p:cSld>
+  <p:clrMapOvr>
+    <a:masterClrMapping/>
+  </p:clrMapOvr>
+</p:sld>
+</file>
+
+<file path=ppt/slides/slide5.xml><?xml version="1.0" encoding="utf-8"?>
+<p:sld xmlns:a="http://schemas.openxmlformats.org/drawingml/2006/main" xmlns:r="http://schemas.openxmlformats.org/officeDocument/2006/relationships" xmlns:p="http://schemas.openxmlformats.org/presentationml/2006/main">
+  <p:cSld>
+    <p:spTree>
+      <p:nvGrpSpPr>
+        <p:cNvPr id="1" name=""/>
+        <p:cNvGrpSpPr/>
+        <p:nvPr/>
+      </p:nvGrpSpPr>
+      <p:grpSpPr>
+        <a:xfrm>
+          <a:off x="0" y="0"/>
+          <a:ext cx="0" cy="0"/>
+          <a:chOff x="0" y="0"/>
+          <a:chExt cx="0" cy="0"/>
+        </a:xfrm>
+      </p:grpSpPr>
+      <p:sp>
+        <p:nvSpPr>
+          <p:cNvPr id="2" name="Title 1">
+            <a:extLst>
+              <a:ext uri="{FF2B5EF4-FFF2-40B4-BE49-F238E27FC236}">
+                <a16:creationId xmlns:a16="http://schemas.microsoft.com/office/drawing/2014/main" id="{41BF6E9F-1C37-4DE8-A507-E72199CF0AA1}"/>
+              </a:ext>
+            </a:extLst>
+          </p:cNvPr>
+          <p:cNvSpPr>
+            <a:spLocks noGrp="1"/>
+          </p:cNvSpPr>
+          <p:nvPr>
+            <p:ph type="title"/>
+          </p:nvPr>
+        </p:nvSpPr>
+        <p:spPr/>
+        <p:txBody>
+          <a:bodyPr/>
+          <a:lstStyle/>
+          <a:p>
+            <a:r>
+              <a:rPr lang="en-US" dirty="0"/>
+              <a:t>Class practice</a:t>
+            </a:r>
+            <a:endParaRPr lang="en-MY" dirty="0"/>
+          </a:p>
+        </p:txBody>
+      </p:sp>
+      <p:sp>
+        <p:nvSpPr>
+          <p:cNvPr id="3" name="Content Placeholder 2">
+            <a:extLst>
+              <a:ext uri="{FF2B5EF4-FFF2-40B4-BE49-F238E27FC236}">
+                <a16:creationId xmlns:a16="http://schemas.microsoft.com/office/drawing/2014/main" id="{3DB64EB4-3381-4E76-8DB9-1C9824F17E70}"/>
+              </a:ext>
+            </a:extLst>
+          </p:cNvPr>
+          <p:cNvSpPr>
+            <a:spLocks noGrp="1"/>
+          </p:cNvSpPr>
+          <p:nvPr>
+            <p:ph idx="1"/>
+          </p:nvPr>
+        </p:nvSpPr>
+        <p:spPr>
+          <a:xfrm>
+            <a:off x="685801" y="2142067"/>
+            <a:ext cx="10131425" cy="4375274"/>
+          </a:xfrm>
+        </p:spPr>
+        <p:txBody>
+          <a:bodyPr/>
+          <a:lstStyle/>
+          <a:p>
+            <a:r>
+              <a:rPr lang="en-MY" dirty="0"/>
+              <a:t>Add to Bus class: method fare(), to calculate how much fee to rent one bus: depending on how many seats, price is total seats * 100 per person.</a:t>
+            </a:r>
+          </a:p>
+          <a:p>
+            <a:endParaRPr lang="en-MY" dirty="0"/>
+          </a:p>
+          <a:p>
+            <a:endParaRPr lang="en-MY" dirty="0"/>
+          </a:p>
+          <a:p>
+            <a:endParaRPr lang="en-MY" dirty="0"/>
+          </a:p>
+          <a:p>
+            <a:r>
+              <a:rPr lang="en-MY" dirty="0"/>
+              <a:t>Add one class attributes: public transport </a:t>
+            </a:r>
+            <a:r>
+              <a:rPr lang="en-MY"/>
+              <a:t>allowed flag.</a:t>
+            </a:r>
+            <a:endParaRPr lang="en-MY" dirty="0"/>
+          </a:p>
+        </p:txBody>
+      </p:sp>
+    </p:spTree>
+    <p:extLst>
+      <p:ext uri="{BB962C8B-B14F-4D97-AF65-F5344CB8AC3E}">
+        <p14:creationId xmlns:p14="http://schemas.microsoft.com/office/powerpoint/2010/main" val="791607277"/>
+      </p:ext>
+    </p:extLst>
+  </p:cSld>
+  <p:clrMapOvr>
+    <a:masterClrMapping/>
+  </p:clrMapOvr>
+</p:sld>
+</file>
+
+<file path=ppt/slides/slide6.xml><?xml version="1.0" encoding="utf-8"?>
+<p:sld xmlns:a="http://schemas.openxmlformats.org/drawingml/2006/main" xmlns:r="http://schemas.openxmlformats.org/officeDocument/2006/relationships" xmlns:p="http://schemas.openxmlformats.org/presentationml/2006/main">
+  <p:cSld>
+    <p:spTree>
+      <p:nvGrpSpPr>
+        <p:cNvPr id="1" name=""/>
+        <p:cNvGrpSpPr/>
+        <p:nvPr/>
+      </p:nvGrpSpPr>
+      <p:grpSpPr>
+        <a:xfrm>
+          <a:off x="0" y="0"/>
+          <a:ext cx="0" cy="0"/>
+          <a:chOff x="0" y="0"/>
+          <a:chExt cx="0" cy="0"/>
+        </a:xfrm>
+      </p:grpSpPr>
+      <p:sp>
+        <p:nvSpPr>
+          <p:cNvPr id="2" name="Title 1">
+            <a:extLst>
+              <a:ext uri="{FF2B5EF4-FFF2-40B4-BE49-F238E27FC236}">
+                <a16:creationId xmlns:a16="http://schemas.microsoft.com/office/drawing/2014/main" id="{41BF6E9F-1C37-4DE8-A507-E72199CF0AA1}"/>
+              </a:ext>
+            </a:extLst>
+          </p:cNvPr>
+          <p:cNvSpPr>
+            <a:spLocks noGrp="1"/>
+          </p:cNvSpPr>
+          <p:nvPr>
+            <p:ph type="title"/>
+          </p:nvPr>
+        </p:nvSpPr>
+        <p:spPr/>
+        <p:txBody>
+          <a:bodyPr/>
+          <a:lstStyle/>
+          <a:p>
+            <a:r>
+              <a:rPr lang="en-US" dirty="0"/>
+              <a:t>Class practice</a:t>
+            </a:r>
+            <a:endParaRPr lang="en-MY" dirty="0"/>
+          </a:p>
+        </p:txBody>
+      </p:sp>
+      <p:sp>
+        <p:nvSpPr>
+          <p:cNvPr id="3" name="Content Placeholder 2">
+            <a:extLst>
+              <a:ext uri="{FF2B5EF4-FFF2-40B4-BE49-F238E27FC236}">
+                <a16:creationId xmlns:a16="http://schemas.microsoft.com/office/drawing/2014/main" id="{3DB64EB4-3381-4E76-8DB9-1C9824F17E70}"/>
+              </a:ext>
+            </a:extLst>
+          </p:cNvPr>
+          <p:cNvSpPr>
+            <a:spLocks noGrp="1"/>
+          </p:cNvSpPr>
+          <p:nvPr>
+            <p:ph idx="1"/>
+          </p:nvPr>
+        </p:nvSpPr>
+        <p:spPr>
+          <a:xfrm>
+            <a:off x="685801" y="2142067"/>
+            <a:ext cx="10131425" cy="4375274"/>
+          </a:xfrm>
+        </p:spPr>
+        <p:txBody>
+          <a:bodyPr/>
+          <a:lstStyle/>
+          <a:p>
+            <a:r>
+              <a:rPr lang="en-US" dirty="0"/>
+              <a:t>Sub-class from Bus, create one class </a:t>
+            </a:r>
+            <a:r>
+              <a:rPr lang="en-US" dirty="0" err="1"/>
+              <a:t>MiniBus</a:t>
+            </a:r>
+            <a:r>
+              <a:rPr lang="en-US" dirty="0"/>
+              <a:t> (16 seats), and one class </a:t>
+            </a:r>
+            <a:r>
+              <a:rPr lang="en-US" dirty="0" err="1"/>
+              <a:t>CoachBus</a:t>
+            </a:r>
+            <a:r>
+              <a:rPr lang="en-US" dirty="0"/>
+              <a:t>(40 seats).</a:t>
+            </a:r>
+          </a:p>
+          <a:p>
+            <a:endParaRPr lang="en-US" dirty="0"/>
+          </a:p>
+          <a:p>
+            <a:endParaRPr lang="en-US" dirty="0"/>
+          </a:p>
+          <a:p>
+            <a:endParaRPr lang="en-MY" dirty="0"/>
+          </a:p>
+          <a:p>
+            <a:r>
+              <a:rPr lang="en-MY" dirty="0"/>
+              <a:t>For </a:t>
+            </a:r>
+            <a:r>
+              <a:rPr lang="en-MY" dirty="0" err="1"/>
+              <a:t>CoachBus</a:t>
+            </a:r>
+            <a:r>
+              <a:rPr lang="en-MY" dirty="0"/>
+              <a:t>, give  a new fare() method, which is 90 per person for one day rent.</a:t>
+            </a:r>
+          </a:p>
+          <a:p>
+            <a:endParaRPr lang="en-MY" dirty="0"/>
+          </a:p>
+          <a:p>
+            <a:endParaRPr lang="en-MY" dirty="0"/>
+          </a:p>
+        </p:txBody>
+      </p:sp>
+    </p:spTree>
+    <p:extLst>
+      <p:ext uri="{BB962C8B-B14F-4D97-AF65-F5344CB8AC3E}">
+        <p14:creationId xmlns:p14="http://schemas.microsoft.com/office/powerpoint/2010/main" val="4225252998"/>
+      </p:ext>
+    </p:extLst>
+  </p:cSld>
+  <p:clrMapOvr>
+    <a:masterClrMapping/>
+  </p:clrMapOvr>
+</p:sld>
+</file>
+
+<file path=ppt/slides/slide7.xml><?xml version="1.0" encoding="utf-8"?>
+<p:sld xmlns:a="http://schemas.openxmlformats.org/drawingml/2006/main" xmlns:r="http://schemas.openxmlformats.org/officeDocument/2006/relationships" xmlns:p="http://schemas.openxmlformats.org/presentationml/2006/main">
+  <p:cSld>
+    <p:spTree>
+      <p:nvGrpSpPr>
+        <p:cNvPr id="1" name=""/>
+        <p:cNvGrpSpPr/>
+        <p:nvPr/>
+      </p:nvGrpSpPr>
+      <p:grpSpPr>
+        <a:xfrm>
+          <a:off x="0" y="0"/>
+          <a:ext cx="0" cy="0"/>
+          <a:chOff x="0" y="0"/>
+          <a:chExt cx="0" cy="0"/>
+        </a:xfrm>
+      </p:grpSpPr>
+      <p:sp>
+        <p:nvSpPr>
+          <p:cNvPr id="3" name="Content Placeholder 2">
+            <a:extLst>
+              <a:ext uri="{FF2B5EF4-FFF2-40B4-BE49-F238E27FC236}">
+                <a16:creationId xmlns:a16="http://schemas.microsoft.com/office/drawing/2014/main" id="{AF01B25A-5A6D-40E2-B243-C62FAEBD3598}"/>
+              </a:ext>
+            </a:extLst>
+          </p:cNvPr>
+          <p:cNvSpPr>
+            <a:spLocks noGrp="1"/>
+          </p:cNvSpPr>
+          <p:nvPr>
+            <p:ph idx="1"/>
+          </p:nvPr>
+        </p:nvSpPr>
+        <p:spPr>
+          <a:xfrm>
+            <a:off x="685801" y="779929"/>
+            <a:ext cx="10131425" cy="5755342"/>
+          </a:xfrm>
+        </p:spPr>
+        <p:txBody>
+          <a:bodyPr/>
+          <a:lstStyle/>
+          <a:p>
+            <a:r>
+              <a:rPr lang="en-US" dirty="0"/>
+              <a:t>In file ‘artist.py’, define a class ‘Artist’, with constructor (__</a:t>
+            </a:r>
+            <a:r>
+              <a:rPr lang="en-US" dirty="0" err="1"/>
+              <a:t>init</a:t>
+            </a:r>
+            <a:r>
+              <a:rPr lang="en-US" dirty="0"/>
+              <a:t>__()), to default initialize name as None, and year of birth and death as 0.</a:t>
+            </a:r>
+          </a:p>
+          <a:p>
+            <a:endParaRPr lang="en-US" dirty="0"/>
+          </a:p>
+          <a:p>
+            <a:endParaRPr lang="en-US" dirty="0"/>
+          </a:p>
+          <a:p>
+            <a:r>
+              <a:rPr lang="en-US" dirty="0"/>
+              <a:t>In file ‘artwork.py’, define a class ‘Artwork’, with constructor, to default initialize the title to ‘None’, and year created to 0, and the artist who created it with all default value. Add import statement to import Artist class from artist.py</a:t>
+            </a:r>
+            <a:r>
+              <a:rPr lang="en-MY" dirty="0"/>
+              <a:t> module</a:t>
+            </a:r>
+          </a:p>
+          <a:p>
+            <a:endParaRPr lang="en-MY" dirty="0"/>
+          </a:p>
+          <a:p>
+            <a:r>
+              <a:rPr lang="en-MY" dirty="0"/>
+              <a:t>In file ‘main.py’, add import statement to import Artist and Artwork class.</a:t>
+            </a:r>
+          </a:p>
+          <a:p>
+            <a:r>
+              <a:rPr lang="en-MY" dirty="0"/>
+              <a:t>Get input from user. Example:</a:t>
+            </a:r>
+          </a:p>
+          <a:p>
+            <a:endParaRPr lang="en-MY" dirty="0"/>
+          </a:p>
+          <a:p>
+            <a:endParaRPr lang="en-MY" dirty="0"/>
+          </a:p>
+          <a:p>
+            <a:endParaRPr lang="en-MY" dirty="0"/>
+          </a:p>
+          <a:p>
+            <a:r>
+              <a:rPr lang="en-US" dirty="0"/>
+              <a:t>Create the artist and artwork class. Then define class </a:t>
+            </a:r>
+            <a:r>
+              <a:rPr lang="en-US" dirty="0" err="1"/>
+              <a:t>stringify</a:t>
+            </a:r>
+            <a:r>
+              <a:rPr lang="en-US" dirty="0"/>
+              <a:t> method, and output:</a:t>
+            </a:r>
+          </a:p>
+        </p:txBody>
+      </p:sp>
+      <p:sp>
+        <p:nvSpPr>
+          <p:cNvPr id="4" name="TextBox 3">
+            <a:extLst>
+              <a:ext uri="{FF2B5EF4-FFF2-40B4-BE49-F238E27FC236}">
+                <a16:creationId xmlns:a16="http://schemas.microsoft.com/office/drawing/2014/main" id="{45BDF52B-91B5-423E-A3A1-FC893B1E618B}"/>
+              </a:ext>
+            </a:extLst>
+          </p:cNvPr>
+          <p:cNvSpPr txBox="1"/>
+          <p:nvPr/>
+        </p:nvSpPr>
+        <p:spPr>
+          <a:xfrm>
+            <a:off x="1351345" y="4382692"/>
+            <a:ext cx="2897923" cy="1015663"/>
+          </a:xfrm>
+          <a:prstGeom prst="rect">
+            <a:avLst/>
+          </a:prstGeom>
+          <a:solidFill>
+            <a:schemeClr val="tx1">
+              <a:lumMod val="85000"/>
+            </a:schemeClr>
+          </a:solidFill>
+        </p:spPr>
+        <p:txBody>
+          <a:bodyPr wrap="square" rtlCol="0">
+            <a:spAutoFit/>
+          </a:bodyPr>
+          <a:lstStyle/>
+          <a:p>
+            <a:r>
+              <a:rPr lang="en-US" sz="1200" dirty="0">
+                <a:solidFill>
+                  <a:schemeClr val="bg1"/>
+                </a:solidFill>
+                <a:latin typeface="Cascadia Mono SemiBold" panose="020B0609020000020004" pitchFamily="49" charset="0"/>
+                <a:ea typeface="Cascadia Mono SemiBold" panose="020B0609020000020004" pitchFamily="49" charset="0"/>
+                <a:cs typeface="Cascadia Mono SemiBold" panose="020B0609020000020004" pitchFamily="49" charset="0"/>
+              </a:rPr>
+              <a:t>Pablo Picasso</a:t>
+            </a:r>
+          </a:p>
+          <a:p>
+            <a:r>
+              <a:rPr lang="en-US" sz="1200" dirty="0">
+                <a:solidFill>
+                  <a:schemeClr val="bg1"/>
+                </a:solidFill>
+                <a:latin typeface="Cascadia Mono SemiBold" panose="020B0609020000020004" pitchFamily="49" charset="0"/>
+                <a:ea typeface="Cascadia Mono SemiBold" panose="020B0609020000020004" pitchFamily="49" charset="0"/>
+                <a:cs typeface="Cascadia Mono SemiBold" panose="020B0609020000020004" pitchFamily="49" charset="0"/>
+              </a:rPr>
+              <a:t>1881</a:t>
+            </a:r>
+          </a:p>
+          <a:p>
+            <a:r>
+              <a:rPr lang="en-US" sz="1200" dirty="0">
+                <a:solidFill>
+                  <a:schemeClr val="bg1"/>
+                </a:solidFill>
+                <a:latin typeface="Cascadia Mono SemiBold" panose="020B0609020000020004" pitchFamily="49" charset="0"/>
+                <a:ea typeface="Cascadia Mono SemiBold" panose="020B0609020000020004" pitchFamily="49" charset="0"/>
+                <a:cs typeface="Cascadia Mono SemiBold" panose="020B0609020000020004" pitchFamily="49" charset="0"/>
+              </a:rPr>
+              <a:t>1973</a:t>
+            </a:r>
+          </a:p>
+          <a:p>
+            <a:r>
+              <a:rPr lang="en-US" sz="1200" dirty="0">
+                <a:solidFill>
+                  <a:schemeClr val="bg1"/>
+                </a:solidFill>
+                <a:latin typeface="Cascadia Mono SemiBold" panose="020B0609020000020004" pitchFamily="49" charset="0"/>
+                <a:ea typeface="Cascadia Mono SemiBold" panose="020B0609020000020004" pitchFamily="49" charset="0"/>
+                <a:cs typeface="Cascadia Mono SemiBold" panose="020B0609020000020004" pitchFamily="49" charset="0"/>
+              </a:rPr>
+              <a:t>Three Musicians</a:t>
+            </a:r>
+          </a:p>
+          <a:p>
+            <a:r>
+              <a:rPr lang="en-US" sz="1200" dirty="0">
+                <a:solidFill>
+                  <a:schemeClr val="bg1"/>
+                </a:solidFill>
+                <a:latin typeface="Cascadia Mono SemiBold" panose="020B0609020000020004" pitchFamily="49" charset="0"/>
+                <a:ea typeface="Cascadia Mono SemiBold" panose="020B0609020000020004" pitchFamily="49" charset="0"/>
+                <a:cs typeface="Cascadia Mono SemiBold" panose="020B0609020000020004" pitchFamily="49" charset="0"/>
+              </a:rPr>
+              <a:t>1921</a:t>
+            </a:r>
+          </a:p>
+        </p:txBody>
+      </p:sp>
+      <p:sp>
+        <p:nvSpPr>
+          <p:cNvPr id="5" name="TextBox 4">
+            <a:extLst>
+              <a:ext uri="{FF2B5EF4-FFF2-40B4-BE49-F238E27FC236}">
+                <a16:creationId xmlns:a16="http://schemas.microsoft.com/office/drawing/2014/main" id="{0D2F1D31-7ED9-4308-B779-B9CCD594F1DC}"/>
+              </a:ext>
+            </a:extLst>
+          </p:cNvPr>
+          <p:cNvSpPr txBox="1"/>
+          <p:nvPr/>
+        </p:nvSpPr>
+        <p:spPr>
+          <a:xfrm>
+            <a:off x="1351344" y="6178284"/>
+            <a:ext cx="4466749" cy="461665"/>
+          </a:xfrm>
+          <a:prstGeom prst="rect">
+            <a:avLst/>
+          </a:prstGeom>
+          <a:solidFill>
+            <a:schemeClr val="tx1">
+              <a:lumMod val="85000"/>
+            </a:schemeClr>
+          </a:solidFill>
+        </p:spPr>
+        <p:txBody>
+          <a:bodyPr wrap="square" rtlCol="0">
+            <a:spAutoFit/>
+          </a:bodyPr>
+          <a:lstStyle/>
+          <a:p>
+            <a:r>
+              <a:rPr lang="en-US" sz="1200" dirty="0">
+                <a:solidFill>
+                  <a:schemeClr val="bg1"/>
+                </a:solidFill>
+                <a:latin typeface="Cascadia Mono SemiBold" panose="020B0609020000020004" pitchFamily="49" charset="0"/>
+                <a:ea typeface="Cascadia Mono SemiBold" panose="020B0609020000020004" pitchFamily="49" charset="0"/>
+                <a:cs typeface="Cascadia Mono SemiBold" panose="020B0609020000020004" pitchFamily="49" charset="0"/>
+              </a:rPr>
+              <a:t>Artist: Pablo Picasso (1881 – 1973)</a:t>
+            </a:r>
+          </a:p>
+          <a:p>
+            <a:r>
+              <a:rPr lang="en-US" sz="1200" dirty="0">
+                <a:solidFill>
+                  <a:schemeClr val="bg1"/>
+                </a:solidFill>
+                <a:latin typeface="Cascadia Mono SemiBold" panose="020B0609020000020004" pitchFamily="49" charset="0"/>
+                <a:ea typeface="Cascadia Mono SemiBold" panose="020B0609020000020004" pitchFamily="49" charset="0"/>
+                <a:cs typeface="Cascadia Mono SemiBold" panose="020B0609020000020004" pitchFamily="49" charset="0"/>
+              </a:rPr>
+              <a:t>Title: Three Musicians, 1921</a:t>
+            </a:r>
+          </a:p>
+        </p:txBody>
+      </p:sp>
+      <p:sp>
+        <p:nvSpPr>
+          <p:cNvPr id="6" name="TextBox 5">
+            <a:extLst>
+              <a:ext uri="{FF2B5EF4-FFF2-40B4-BE49-F238E27FC236}">
+                <a16:creationId xmlns:a16="http://schemas.microsoft.com/office/drawing/2014/main" id="{BFCF7CF3-33E3-4D4E-B421-9ADACCCB3CB7}"/>
+              </a:ext>
+            </a:extLst>
+          </p:cNvPr>
+          <p:cNvSpPr txBox="1"/>
+          <p:nvPr/>
+        </p:nvSpPr>
+        <p:spPr>
+          <a:xfrm>
+            <a:off x="7429416" y="4382691"/>
+            <a:ext cx="2897923" cy="1015663"/>
+          </a:xfrm>
+          <a:prstGeom prst="rect">
+            <a:avLst/>
+          </a:prstGeom>
+          <a:solidFill>
+            <a:schemeClr val="tx1">
+              <a:lumMod val="85000"/>
+            </a:schemeClr>
+          </a:solidFill>
+        </p:spPr>
+        <p:txBody>
+          <a:bodyPr wrap="square" rtlCol="0">
+            <a:spAutoFit/>
+          </a:bodyPr>
+          <a:lstStyle/>
+          <a:p>
+            <a:r>
+              <a:rPr lang="en-US" sz="1200" dirty="0">
+                <a:solidFill>
+                  <a:schemeClr val="bg1"/>
+                </a:solidFill>
+                <a:latin typeface="Cascadia Mono SemiBold" panose="020B0609020000020004" pitchFamily="49" charset="0"/>
+                <a:ea typeface="Cascadia Mono SemiBold" panose="020B0609020000020004" pitchFamily="49" charset="0"/>
+                <a:cs typeface="Cascadia Mono SemiBold" panose="020B0609020000020004" pitchFamily="49" charset="0"/>
+              </a:rPr>
+              <a:t>Brice Marden</a:t>
+            </a:r>
+          </a:p>
+          <a:p>
+            <a:r>
+              <a:rPr lang="en-US" sz="1200" dirty="0">
+                <a:solidFill>
+                  <a:schemeClr val="bg1"/>
+                </a:solidFill>
+                <a:latin typeface="Cascadia Mono SemiBold" panose="020B0609020000020004" pitchFamily="49" charset="0"/>
+                <a:ea typeface="Cascadia Mono SemiBold" panose="020B0609020000020004" pitchFamily="49" charset="0"/>
+                <a:cs typeface="Cascadia Mono SemiBold" panose="020B0609020000020004" pitchFamily="49" charset="0"/>
+              </a:rPr>
+              <a:t>1938</a:t>
+            </a:r>
+          </a:p>
+          <a:p>
+            <a:r>
+              <a:rPr lang="en-US" sz="1200" dirty="0">
+                <a:solidFill>
+                  <a:schemeClr val="bg1"/>
+                </a:solidFill>
+                <a:latin typeface="Cascadia Mono SemiBold" panose="020B0609020000020004" pitchFamily="49" charset="0"/>
+                <a:ea typeface="Cascadia Mono SemiBold" panose="020B0609020000020004" pitchFamily="49" charset="0"/>
+                <a:cs typeface="Cascadia Mono SemiBold" panose="020B0609020000020004" pitchFamily="49" charset="0"/>
+              </a:rPr>
+              <a:t>-1</a:t>
+            </a:r>
+          </a:p>
+          <a:p>
+            <a:r>
+              <a:rPr lang="en-US" sz="1200" dirty="0">
+                <a:solidFill>
+                  <a:schemeClr val="bg1"/>
+                </a:solidFill>
+                <a:latin typeface="Cascadia Mono SemiBold" panose="020B0609020000020004" pitchFamily="49" charset="0"/>
+                <a:ea typeface="Cascadia Mono SemiBold" panose="020B0609020000020004" pitchFamily="49" charset="0"/>
+                <a:cs typeface="Cascadia Mono SemiBold" panose="020B0609020000020004" pitchFamily="49" charset="0"/>
+              </a:rPr>
+              <a:t>Distant Muses</a:t>
+            </a:r>
+          </a:p>
+          <a:p>
+            <a:r>
+              <a:rPr lang="en-US" sz="1200" dirty="0">
+                <a:solidFill>
+                  <a:schemeClr val="bg1"/>
+                </a:solidFill>
+                <a:latin typeface="Cascadia Mono SemiBold" panose="020B0609020000020004" pitchFamily="49" charset="0"/>
+                <a:ea typeface="Cascadia Mono SemiBold" panose="020B0609020000020004" pitchFamily="49" charset="0"/>
+                <a:cs typeface="Cascadia Mono SemiBold" panose="020B0609020000020004" pitchFamily="49" charset="0"/>
+              </a:rPr>
+              <a:t>2000</a:t>
+            </a:r>
+          </a:p>
+        </p:txBody>
+      </p:sp>
+      <p:sp>
+        <p:nvSpPr>
+          <p:cNvPr id="7" name="TextBox 6">
+            <a:extLst>
+              <a:ext uri="{FF2B5EF4-FFF2-40B4-BE49-F238E27FC236}">
+                <a16:creationId xmlns:a16="http://schemas.microsoft.com/office/drawing/2014/main" id="{776EFC5E-FE77-4C41-8F38-2AEE9AA09568}"/>
+              </a:ext>
+            </a:extLst>
+          </p:cNvPr>
+          <p:cNvSpPr txBox="1"/>
+          <p:nvPr/>
+        </p:nvSpPr>
+        <p:spPr>
+          <a:xfrm>
+            <a:off x="7429416" y="6178284"/>
+            <a:ext cx="4466749" cy="461665"/>
+          </a:xfrm>
+          <a:prstGeom prst="rect">
+            <a:avLst/>
+          </a:prstGeom>
+          <a:solidFill>
+            <a:schemeClr val="tx1">
+              <a:lumMod val="85000"/>
+            </a:schemeClr>
+          </a:solidFill>
+        </p:spPr>
+        <p:txBody>
+          <a:bodyPr wrap="square" rtlCol="0">
+            <a:spAutoFit/>
+          </a:bodyPr>
+          <a:lstStyle/>
+          <a:p>
+            <a:r>
+              <a:rPr lang="en-US" sz="1200" dirty="0">
+                <a:solidFill>
+                  <a:schemeClr val="bg1"/>
+                </a:solidFill>
+                <a:latin typeface="Cascadia Mono SemiBold" panose="020B0609020000020004" pitchFamily="49" charset="0"/>
+                <a:ea typeface="Cascadia Mono SemiBold" panose="020B0609020000020004" pitchFamily="49" charset="0"/>
+                <a:cs typeface="Cascadia Mono SemiBold" panose="020B0609020000020004" pitchFamily="49" charset="0"/>
+              </a:rPr>
+              <a:t>Artist: Brice Marden, born 1938</a:t>
+            </a:r>
+          </a:p>
+          <a:p>
+            <a:r>
+              <a:rPr lang="en-US" sz="1200" dirty="0">
+                <a:solidFill>
+                  <a:schemeClr val="bg1"/>
+                </a:solidFill>
+                <a:latin typeface="Cascadia Mono SemiBold" panose="020B0609020000020004" pitchFamily="49" charset="0"/>
+                <a:ea typeface="Cascadia Mono SemiBold" panose="020B0609020000020004" pitchFamily="49" charset="0"/>
+                <a:cs typeface="Cascadia Mono SemiBold" panose="020B0609020000020004" pitchFamily="49" charset="0"/>
+              </a:rPr>
+              <a:t>Title: Distant Muses, 2000</a:t>
+            </a:r>
+          </a:p>
+        </p:txBody>
+      </p:sp>
+    </p:spTree>
+    <p:extLst>
+      <p:ext uri="{BB962C8B-B14F-4D97-AF65-F5344CB8AC3E}">
+        <p14:creationId xmlns:p14="http://schemas.microsoft.com/office/powerpoint/2010/main" val="1019478626"/>
+      </p:ext>
+    </p:extLst>
+  </p:cSld>
+  <p:clrMapOvr>
+    <a:masterClrMapping/>
+  </p:clrMapOvr>
+</p:sld>
+</file>
+
+<file path=ppt/slides/slide8.xml><?xml version="1.0" encoding="utf-8"?>
+<p:sld xmlns:a="http://schemas.openxmlformats.org/drawingml/2006/main" xmlns:r="http://schemas.openxmlformats.org/officeDocument/2006/relationships" xmlns:p="http://schemas.openxmlformats.org/presentationml/2006/main">
+  <p:cSld>
+    <p:spTree>
+      <p:nvGrpSpPr>
+        <p:cNvPr id="1" name=""/>
+        <p:cNvGrpSpPr/>
+        <p:nvPr/>
+      </p:nvGrpSpPr>
+      <p:grpSpPr>
+        <a:xfrm>
+          <a:off x="0" y="0"/>
+          <a:ext cx="0" cy="0"/>
+          <a:chOff x="0" y="0"/>
+          <a:chExt cx="0" cy="0"/>
+        </a:xfrm>
+      </p:grpSpPr>
+      <p:sp>
+        <p:nvSpPr>
+          <p:cNvPr id="2" name="Title 1">
+            <a:extLst>
+              <a:ext uri="{FF2B5EF4-FFF2-40B4-BE49-F238E27FC236}">
+                <a16:creationId xmlns:a16="http://schemas.microsoft.com/office/drawing/2014/main" id="{4336EC2F-79FC-49CA-9C12-24F846666CFF}"/>
+              </a:ext>
+            </a:extLst>
+          </p:cNvPr>
+          <p:cNvSpPr>
+            <a:spLocks noGrp="1"/>
+          </p:cNvSpPr>
+          <p:nvPr>
+            <p:ph type="title"/>
+          </p:nvPr>
+        </p:nvSpPr>
+        <p:spPr/>
+        <p:txBody>
+          <a:bodyPr/>
+          <a:lstStyle/>
+          <a:p>
+            <a:r>
+              <a:rPr lang="en-US" dirty="0"/>
+              <a:t>Error handle</a:t>
+            </a:r>
+            <a:endParaRPr lang="en-MY" dirty="0"/>
+          </a:p>
+        </p:txBody>
+      </p:sp>
+      <p:sp>
+        <p:nvSpPr>
+          <p:cNvPr id="3" name="Content Placeholder 2">
+            <a:extLst>
+              <a:ext uri="{FF2B5EF4-FFF2-40B4-BE49-F238E27FC236}">
+                <a16:creationId xmlns:a16="http://schemas.microsoft.com/office/drawing/2014/main" id="{073E933C-F533-4EBB-A681-0CDCB1F8AF08}"/>
+              </a:ext>
+            </a:extLst>
+          </p:cNvPr>
+          <p:cNvSpPr>
+            <a:spLocks noGrp="1"/>
+          </p:cNvSpPr>
+          <p:nvPr>
+            <p:ph idx="1"/>
+          </p:nvPr>
+        </p:nvSpPr>
+        <p:spPr/>
+        <p:txBody>
+          <a:bodyPr/>
+          <a:lstStyle/>
+          <a:p>
+            <a:r>
+              <a:rPr lang="en-US" dirty="0"/>
+              <a:t>The program will get 2 integer number from user.</a:t>
+            </a:r>
+            <a:r>
+              <a:rPr lang="en-MY" dirty="0"/>
+              <a:t> The first one will be numerator, the second one will be denominator.</a:t>
+            </a:r>
+          </a:p>
+          <a:p>
+            <a:r>
+              <a:rPr lang="en-MY" dirty="0"/>
+              <a:t>Do calculation and output the format of:   Numerator = denominator * quotient + remainder</a:t>
+            </a:r>
+          </a:p>
+          <a:p>
+            <a:r>
+              <a:rPr lang="en-MY" dirty="0"/>
+              <a:t>Catch all error (zero division, value error, etc.), and output proper information </a:t>
+            </a:r>
+            <a:r>
+              <a:rPr lang="en-MY"/>
+              <a:t>regarding the error.</a:t>
+            </a:r>
+            <a:endParaRPr lang="en-US"/>
+          </a:p>
+        </p:txBody>
+      </p:sp>
+    </p:spTree>
+    <p:extLst>
+      <p:ext uri="{BB962C8B-B14F-4D97-AF65-F5344CB8AC3E}">
+        <p14:creationId xmlns:p14="http://schemas.microsoft.com/office/powerpoint/2010/main" val="2296406748"/>
+      </p:ext>
+    </p:extLst>
+  </p:cSld>
+  <p:clrMapOvr>
+    <a:masterClrMapping/>
+  </p:clrMapOvr>
+</p:sld>
+</file>
+
+<file path=ppt/slides/slide9.xml><?xml version="1.0" encoding="utf-8"?>
+<p:sld xmlns:a="http://schemas.openxmlformats.org/drawingml/2006/main" xmlns:r="http://schemas.openxmlformats.org/officeDocument/2006/relationships" xmlns:p="http://schemas.openxmlformats.org/presentationml/2006/main">
+  <p:cSld>
+    <p:spTree>
+      <p:nvGrpSpPr>
+        <p:cNvPr id="1" name=""/>
+        <p:cNvGrpSpPr/>
+        <p:nvPr/>
+      </p:nvGrpSpPr>
+      <p:grpSpPr>
+        <a:xfrm>
+          <a:off x="0" y="0"/>
+          <a:ext cx="0" cy="0"/>
+          <a:chOff x="0" y="0"/>
+          <a:chExt cx="0" cy="0"/>
+        </a:xfrm>
+      </p:grpSpPr>
+      <p:sp>
+        <p:nvSpPr>
+          <p:cNvPr id="2" name="标题 1">
+            <a:extLst>
+              <a:ext uri="{FF2B5EF4-FFF2-40B4-BE49-F238E27FC236}">
+                <a16:creationId xmlns:a16="http://schemas.microsoft.com/office/drawing/2014/main" id="{AFD5830E-5CE7-4FE5-9D60-0BE3A2A2D315}"/>
+              </a:ext>
+            </a:extLst>
+          </p:cNvPr>
+          <p:cNvSpPr>
+            <a:spLocks noGrp="1"/>
+          </p:cNvSpPr>
+          <p:nvPr>
+            <p:ph type="title"/>
+          </p:nvPr>
+        </p:nvSpPr>
+        <p:spPr/>
+        <p:txBody>
+          <a:bodyPr/>
+          <a:lstStyle/>
+          <a:p>
+            <a:r>
+              <a:rPr lang="en-US" dirty="0"/>
+              <a:t>Hangman game</a:t>
+            </a:r>
+            <a:endParaRPr lang="en-MY" dirty="0"/>
+          </a:p>
+        </p:txBody>
+      </p:sp>
+      <p:sp>
+        <p:nvSpPr>
+          <p:cNvPr id="3" name="内容占位符 2">
+            <a:extLst>
+              <a:ext uri="{FF2B5EF4-FFF2-40B4-BE49-F238E27FC236}">
+                <a16:creationId xmlns:a16="http://schemas.microsoft.com/office/drawing/2014/main" id="{565849A6-BD79-4075-97FF-2729875645FE}"/>
+              </a:ext>
+            </a:extLst>
+          </p:cNvPr>
+          <p:cNvSpPr>
+            <a:spLocks noGrp="1"/>
+          </p:cNvSpPr>
+          <p:nvPr>
+            <p:ph idx="1"/>
+          </p:nvPr>
+        </p:nvSpPr>
+        <p:spPr/>
+        <p:txBody>
+          <a:bodyPr/>
+          <a:lstStyle/>
+          <a:p>
+            <a:r>
+              <a:rPr lang="en-US" dirty="0"/>
+              <a:t>A hangman game: guess letter of a secret word. If guess wrong then hangman will have more body parts hanged.</a:t>
+            </a:r>
+          </a:p>
+          <a:p>
+            <a:r>
+              <a:rPr lang="en-US" dirty="0"/>
+              <a:t>If guess all the secret words, hangman still have some body parts not hang, win</a:t>
+            </a:r>
+          </a:p>
+          <a:p>
+            <a:r>
+              <a:rPr lang="en-US" dirty="0"/>
+              <a:t>If hangman all body parts hanged, lose.</a:t>
+            </a:r>
+          </a:p>
+          <a:p>
+            <a:r>
+              <a:rPr lang="en-US" dirty="0"/>
+              <a:t>Use class knowledge learned.</a:t>
+            </a:r>
+            <a:endParaRPr lang="en-MY" dirty="0"/>
+          </a:p>
+        </p:txBody>
+      </p:sp>
+    </p:spTree>
+    <p:extLst>
+      <p:ext uri="{BB962C8B-B14F-4D97-AF65-F5344CB8AC3E}">
+        <p14:creationId xmlns:p14="http://schemas.microsoft.com/office/powerpoint/2010/main" val="753221471"/>
+      </p:ext>
+    </p:extLst>
+  </p:cSld>
+  <p:clrMapOvr>
+    <a:masterClrMapping/>
+  </p:clrMapOvr>
+</p:sld>
+</file>
+
 <file path=ppt/theme/theme1.xml><?xml version="1.0" encoding="utf-8"?>
 <a:theme xmlns:a="http://schemas.openxmlformats.org/drawingml/2006/main" name="天体">
   <a:themeElements>
